--- a/Design/ClusterMapView.pptx
+++ b/Design/ClusterMapView.pptx
@@ -10,8 +10,8 @@
   <p:sldIdLst>
     <p:sldId id="257" r:id="rId2"/>
     <p:sldId id="258" r:id="rId3"/>
-    <p:sldId id="259" r:id="rId4"/>
-    <p:sldId id="260" r:id="rId5"/>
+    <p:sldId id="260" r:id="rId4"/>
+    <p:sldId id="259" r:id="rId5"/>
   </p:sldIdLst>
   <p:sldSz cx="12192000" cy="6858000"/>
   <p:notesSz cx="6858000" cy="9144000"/>
@@ -533,7 +533,7 @@
           <a:p>
             <a:fld id="{22A94A86-3504-9C4C-BDC4-9466B7BECB18}" type="slidenum">
               <a:rPr lang="en-US" smtClean="0"/>
-              <a:t>3</a:t>
+              <a:t>4</a:t>
             </a:fld>
             <a:endParaRPr lang="en-US"/>
           </a:p>
@@ -5492,57 +5492,14 @@
       </p:grpSpPr>
       <p:sp>
         <p:nvSpPr>
-          <p:cNvPr id="95" name="Rectangle 94"/>
-          <p:cNvSpPr/>
-          <p:nvPr/>
-        </p:nvSpPr>
-        <p:spPr>
-          <a:xfrm>
-            <a:off x="3650166" y="1309214"/>
-            <a:ext cx="4111101" cy="5251925"/>
-          </a:xfrm>
-          <a:prstGeom prst="rect">
-            <a:avLst/>
-          </a:prstGeom>
-          <a:solidFill>
-            <a:schemeClr val="accent6">
-              <a:lumMod val="75000"/>
-            </a:schemeClr>
-          </a:solidFill>
-        </p:spPr>
-        <p:style>
-          <a:lnRef idx="0">
-            <a:schemeClr val="accent6"/>
-          </a:lnRef>
-          <a:fillRef idx="3">
-            <a:schemeClr val="accent6"/>
-          </a:fillRef>
-          <a:effectRef idx="3">
-            <a:schemeClr val="accent6"/>
-          </a:effectRef>
-          <a:fontRef idx="minor">
-            <a:schemeClr val="lt1"/>
-          </a:fontRef>
-        </p:style>
-        <p:txBody>
-          <a:bodyPr rtlCol="0" anchor="ctr"/>
-          <a:lstStyle/>
-          <a:p>
-            <a:pPr algn="ctr"/>
-            <a:endParaRPr lang="en-US" dirty="0"/>
-          </a:p>
-        </p:txBody>
-      </p:sp>
-      <p:sp>
-        <p:nvSpPr>
           <p:cNvPr id="4" name="Rectangle 3"/>
           <p:cNvSpPr/>
           <p:nvPr/>
         </p:nvSpPr>
         <p:spPr>
           <a:xfrm>
-            <a:off x="2821107" y="1303547"/>
-            <a:ext cx="825976" cy="5257594"/>
+            <a:off x="2207146" y="1016000"/>
+            <a:ext cx="4892040" cy="5656274"/>
           </a:xfrm>
           <a:prstGeom prst="rect">
             <a:avLst/>
@@ -5573,14 +5530,52 @@
       </p:sp>
       <p:sp>
         <p:nvSpPr>
+          <p:cNvPr id="5" name="Rectangle 4"/>
+          <p:cNvSpPr/>
+          <p:nvPr/>
+        </p:nvSpPr>
+        <p:spPr>
+          <a:xfrm>
+            <a:off x="3045345" y="1103487"/>
+            <a:ext cx="4063363" cy="5427942"/>
+          </a:xfrm>
+          <a:prstGeom prst="rect">
+            <a:avLst/>
+          </a:prstGeom>
+        </p:spPr>
+        <p:style>
+          <a:lnRef idx="0">
+            <a:schemeClr val="accent6"/>
+          </a:lnRef>
+          <a:fillRef idx="3">
+            <a:schemeClr val="accent6"/>
+          </a:fillRef>
+          <a:effectRef idx="3">
+            <a:schemeClr val="accent6"/>
+          </a:effectRef>
+          <a:fontRef idx="minor">
+            <a:schemeClr val="lt1"/>
+          </a:fontRef>
+        </p:style>
+        <p:txBody>
+          <a:bodyPr rtlCol="0" anchor="ctr"/>
+          <a:lstStyle/>
+          <a:p>
+            <a:pPr algn="ctr"/>
+            <a:endParaRPr lang="en-US" dirty="0"/>
+          </a:p>
+        </p:txBody>
+      </p:sp>
+      <p:sp>
+        <p:nvSpPr>
           <p:cNvPr id="27" name="Left Brace 26"/>
           <p:cNvSpPr/>
           <p:nvPr/>
         </p:nvSpPr>
         <p:spPr>
           <a:xfrm rot="5400000">
-            <a:off x="2999213" y="380562"/>
-            <a:ext cx="432653" cy="769821"/>
+            <a:off x="4494513" y="-1725702"/>
+            <a:ext cx="305752" cy="4901430"/>
           </a:xfrm>
           <a:prstGeom prst="leftBrace">
             <a:avLst/>
@@ -5618,8 +5613,8 @@
         </p:nvSpPr>
         <p:spPr>
           <a:xfrm>
-            <a:off x="2306110" y="25926"/>
-            <a:ext cx="1848198" cy="523220"/>
+            <a:off x="3156702" y="235874"/>
+            <a:ext cx="2981394" cy="369332"/>
           </a:xfrm>
           <a:prstGeom prst="rect">
             <a:avLst/>
@@ -5634,22 +5629,14 @@
           <a:p>
             <a:pPr algn="ctr"/>
             <a:r>
-              <a:rPr lang="en-US" sz="1400" dirty="0"/>
-              <a:t>u</a:t>
-            </a:r>
-            <a:r>
-              <a:rPr lang="en-US" sz="1400" dirty="0" smtClean="0"/>
-              <a:t>pgrade domain labels</a:t>
-            </a:r>
-            <a:endParaRPr lang="en-US" sz="1400" dirty="0"/>
-          </a:p>
-          <a:p>
-            <a:pPr algn="ctr"/>
-            <a:r>
-              <a:rPr lang="en-US" sz="1400" dirty="0" smtClean="0"/>
-              <a:t>ListView</a:t>
-            </a:r>
-            <a:endParaRPr lang="en-US" sz="1400" dirty="0"/>
+              <a:rPr lang="en-US" dirty="0"/>
+              <a:t>t</a:t>
+            </a:r>
+            <a:r>
+              <a:rPr lang="en-US" dirty="0" smtClean="0"/>
+              <a:t>op-level ClusterMap ListView</a:t>
+            </a:r>
+            <a:endParaRPr lang="en-US" dirty="0"/>
           </a:p>
         </p:txBody>
       </p:sp>
@@ -5661,7 +5648,7 @@
         </p:nvSpPr>
         <p:spPr>
           <a:xfrm>
-            <a:off x="2376777" y="1418367"/>
+            <a:off x="1762816" y="1314457"/>
             <a:ext cx="214313" cy="566742"/>
           </a:xfrm>
           <a:prstGeom prst="leftBrace">
@@ -5700,8 +5687,43 @@
         </p:nvSpPr>
         <p:spPr>
           <a:xfrm>
-            <a:off x="684282" y="1543022"/>
-            <a:ext cx="1705339" cy="307777"/>
+            <a:off x="465183" y="1278692"/>
+            <a:ext cx="1332706" cy="646331"/>
+          </a:xfrm>
+          <a:prstGeom prst="rect">
+            <a:avLst/>
+          </a:prstGeom>
+          <a:noFill/>
+        </p:spPr>
+        <p:txBody>
+          <a:bodyPr wrap="square" rtlCol="0">
+            <a:spAutoFit/>
+          </a:bodyPr>
+          <a:lstStyle/>
+          <a:p>
+            <a:pPr algn="r"/>
+            <a:r>
+              <a:rPr lang="en-US" dirty="0"/>
+              <a:t>u</a:t>
+            </a:r>
+            <a:r>
+              <a:rPr lang="en-US" dirty="0" smtClean="0"/>
+              <a:t>pgrade domain row</a:t>
+            </a:r>
+            <a:endParaRPr lang="en-US" dirty="0"/>
+          </a:p>
+        </p:txBody>
+      </p:sp>
+      <p:sp>
+        <p:nvSpPr>
+          <p:cNvPr id="40" name="TextBox 39"/>
+          <p:cNvSpPr txBox="1"/>
+          <p:nvPr/>
+        </p:nvSpPr>
+        <p:spPr>
+          <a:xfrm>
+            <a:off x="2467095" y="1413162"/>
+            <a:ext cx="301686" cy="369332"/>
           </a:xfrm>
           <a:prstGeom prst="rect">
             <a:avLst/>
@@ -5712,36 +5734,25 @@
           <a:bodyPr wrap="none" rtlCol="0">
             <a:spAutoFit/>
           </a:bodyPr>
-          <a:lstStyle>
-            <a:defPPr>
-              <a:defRPr lang="en-US"/>
-            </a:defPPr>
-            <a:lvl1pPr algn="ctr">
-              <a:defRPr sz="1400"/>
-            </a:lvl1pPr>
-          </a:lstStyle>
-          <a:p>
-            <a:r>
-              <a:rPr lang="en-US" dirty="0"/>
-              <a:t>u</a:t>
-            </a:r>
-            <a:r>
-              <a:rPr lang="en-US" dirty="0"/>
-              <a:t>pgrade domain row</a:t>
-            </a:r>
-            <a:endParaRPr lang="en-US" dirty="0"/>
-          </a:p>
-        </p:txBody>
-      </p:sp>
-      <p:sp>
-        <p:nvSpPr>
-          <p:cNvPr id="40" name="TextBox 39"/>
+          <a:lstStyle/>
+          <a:p>
+            <a:r>
+              <a:rPr lang="en-US" dirty="0" smtClean="0"/>
+              <a:t>0</a:t>
+            </a:r>
+            <a:endParaRPr lang="en-US" dirty="0"/>
+          </a:p>
+        </p:txBody>
+      </p:sp>
+      <p:sp>
+        <p:nvSpPr>
+          <p:cNvPr id="41" name="TextBox 40"/>
           <p:cNvSpPr txBox="1"/>
           <p:nvPr/>
         </p:nvSpPr>
         <p:spPr>
           <a:xfrm>
-            <a:off x="3081056" y="1517072"/>
+            <a:off x="2467095" y="1967160"/>
             <a:ext cx="301686" cy="369332"/>
           </a:xfrm>
           <a:prstGeom prst="rect">
@@ -5756,22 +5767,21 @@
           <a:lstStyle/>
           <a:p>
             <a:r>
-              <a:rPr lang="en-US" dirty="0" smtClean="0"/>
-              <a:t>0</a:t>
-            </a:r>
-            <a:endParaRPr lang="en-US" dirty="0"/>
-          </a:p>
-        </p:txBody>
-      </p:sp>
-      <p:sp>
-        <p:nvSpPr>
-          <p:cNvPr id="41" name="TextBox 40"/>
+              <a:rPr lang="en-US" dirty="0"/>
+              <a:t>1</a:t>
+            </a:r>
+          </a:p>
+        </p:txBody>
+      </p:sp>
+      <p:sp>
+        <p:nvSpPr>
+          <p:cNvPr id="42" name="TextBox 41"/>
           <p:cNvSpPr txBox="1"/>
           <p:nvPr/>
         </p:nvSpPr>
         <p:spPr>
           <a:xfrm>
-            <a:off x="3081056" y="2071070"/>
+            <a:off x="2466262" y="2520444"/>
             <a:ext cx="301686" cy="369332"/>
           </a:xfrm>
           <a:prstGeom prst="rect">
@@ -5786,21 +5796,22 @@
           <a:lstStyle/>
           <a:p>
             <a:r>
-              <a:rPr lang="en-US" dirty="0"/>
-              <a:t>1</a:t>
-            </a:r>
-          </a:p>
-        </p:txBody>
-      </p:sp>
-      <p:sp>
-        <p:nvSpPr>
-          <p:cNvPr id="42" name="TextBox 41"/>
+              <a:rPr lang="en-US" dirty="0" smtClean="0"/>
+              <a:t>2</a:t>
+            </a:r>
+            <a:endParaRPr lang="en-US" dirty="0"/>
+          </a:p>
+        </p:txBody>
+      </p:sp>
+      <p:sp>
+        <p:nvSpPr>
+          <p:cNvPr id="43" name="TextBox 42"/>
           <p:cNvSpPr txBox="1"/>
           <p:nvPr/>
         </p:nvSpPr>
         <p:spPr>
           <a:xfrm>
-            <a:off x="3080223" y="2624354"/>
+            <a:off x="2475403" y="3063990"/>
             <a:ext cx="301686" cy="369332"/>
           </a:xfrm>
           <a:prstGeom prst="rect">
@@ -5815,22 +5826,21 @@
           <a:lstStyle/>
           <a:p>
             <a:r>
-              <a:rPr lang="en-US" dirty="0" smtClean="0"/>
-              <a:t>2</a:t>
-            </a:r>
-            <a:endParaRPr lang="en-US" dirty="0"/>
-          </a:p>
-        </p:txBody>
-      </p:sp>
-      <p:sp>
-        <p:nvSpPr>
-          <p:cNvPr id="43" name="TextBox 42"/>
+              <a:rPr lang="en-US" dirty="0"/>
+              <a:t>3</a:t>
+            </a:r>
+          </a:p>
+        </p:txBody>
+      </p:sp>
+      <p:sp>
+        <p:nvSpPr>
+          <p:cNvPr id="44" name="TextBox 43"/>
           <p:cNvSpPr txBox="1"/>
           <p:nvPr/>
         </p:nvSpPr>
         <p:spPr>
           <a:xfrm>
-            <a:off x="3089364" y="3167900"/>
+            <a:off x="2466262" y="3643767"/>
             <a:ext cx="301686" cy="369332"/>
           </a:xfrm>
           <a:prstGeom prst="rect">
@@ -5845,35 +5855,6 @@
           <a:lstStyle/>
           <a:p>
             <a:r>
-              <a:rPr lang="en-US" dirty="0"/>
-              <a:t>3</a:t>
-            </a:r>
-          </a:p>
-        </p:txBody>
-      </p:sp>
-      <p:sp>
-        <p:nvSpPr>
-          <p:cNvPr id="44" name="TextBox 43"/>
-          <p:cNvSpPr txBox="1"/>
-          <p:nvPr/>
-        </p:nvSpPr>
-        <p:spPr>
-          <a:xfrm>
-            <a:off x="3080223" y="3747677"/>
-            <a:ext cx="301686" cy="369332"/>
-          </a:xfrm>
-          <a:prstGeom prst="rect">
-            <a:avLst/>
-          </a:prstGeom>
-          <a:noFill/>
-        </p:spPr>
-        <p:txBody>
-          <a:bodyPr wrap="none" rtlCol="0">
-            <a:spAutoFit/>
-          </a:bodyPr>
-          <a:lstStyle/>
-          <a:p>
-            <a:r>
               <a:rPr lang="en-US" dirty="0" smtClean="0"/>
               <a:t>4</a:t>
             </a:r>
@@ -5889,8 +5870,8 @@
         </p:nvSpPr>
         <p:spPr>
           <a:xfrm>
-            <a:off x="3656605" y="1382602"/>
-            <a:ext cx="8106902" cy="5121960"/>
+            <a:off x="3125220" y="1199636"/>
+            <a:ext cx="3972884" cy="5257594"/>
           </a:xfrm>
           <a:prstGeom prst="rect">
             <a:avLst/>
@@ -5899,7 +5880,6 @@
             <a:schemeClr val="accent6">
               <a:lumMod val="40000"/>
               <a:lumOff val="60000"/>
-              <a:alpha val="86000"/>
             </a:schemeClr>
           </a:solidFill>
         </p:spPr>
@@ -5928,14 +5908,14 @@
       </p:sp>
       <p:cxnSp>
         <p:nvCxnSpPr>
-          <p:cNvPr id="31" name="Straight Arrow Connector 30"/>
+          <p:cNvPr id="33" name="Straight Arrow Connector 32"/>
           <p:cNvCxnSpPr/>
           <p:nvPr/>
         </p:nvCxnSpPr>
         <p:spPr>
-          <a:xfrm>
-            <a:off x="3816666" y="5754306"/>
-            <a:ext cx="3835639" cy="0"/>
+          <a:xfrm flipH="1">
+            <a:off x="1975223" y="2590438"/>
+            <a:ext cx="8576" cy="3393274"/>
           </a:xfrm>
           <a:prstGeom prst="straightConnector1">
             <a:avLst/>
@@ -5963,43 +5943,6 @@
           </a:fontRef>
         </p:style>
       </p:cxnSp>
-      <p:cxnSp>
-        <p:nvCxnSpPr>
-          <p:cNvPr id="33" name="Straight Arrow Connector 32"/>
-          <p:cNvCxnSpPr/>
-          <p:nvPr/>
-        </p:nvCxnSpPr>
-        <p:spPr>
-          <a:xfrm flipH="1">
-            <a:off x="2589184" y="2694348"/>
-            <a:ext cx="8576" cy="3393274"/>
-          </a:xfrm>
-          <a:prstGeom prst="straightConnector1">
-            <a:avLst/>
-          </a:prstGeom>
-          <a:ln w="22225">
-            <a:solidFill>
-              <a:schemeClr val="tx1"/>
-            </a:solidFill>
-            <a:headEnd type="triangle" w="lg" len="med"/>
-            <a:tailEnd type="triangle" w="lg" len="med"/>
-          </a:ln>
-        </p:spPr>
-        <p:style>
-          <a:lnRef idx="1">
-            <a:schemeClr val="accent1"/>
-          </a:lnRef>
-          <a:fillRef idx="0">
-            <a:schemeClr val="accent1"/>
-          </a:fillRef>
-          <a:effectRef idx="0">
-            <a:schemeClr val="accent1"/>
-          </a:effectRef>
-          <a:fontRef idx="minor">
-            <a:schemeClr val="tx1"/>
-          </a:fontRef>
-        </p:style>
-      </p:cxnSp>
       <p:sp>
         <p:nvSpPr>
           <p:cNvPr id="45" name="TextBox 44"/>
@@ -6008,8 +5951,8 @@
         </p:nvSpPr>
         <p:spPr>
           <a:xfrm>
-            <a:off x="662091" y="4129375"/>
-            <a:ext cx="1919949" cy="738664"/>
+            <a:off x="92869" y="3888352"/>
+            <a:ext cx="1809329" cy="923330"/>
           </a:xfrm>
           <a:prstGeom prst="rect">
             <a:avLst/>
@@ -6017,17 +5960,10 @@
           <a:noFill/>
         </p:spPr>
         <p:txBody>
-          <a:bodyPr wrap="none" rtlCol="0">
+          <a:bodyPr wrap="square" rtlCol="0">
             <a:spAutoFit/>
           </a:bodyPr>
-          <a:lstStyle>
-            <a:defPPr>
-              <a:defRPr lang="en-US"/>
-            </a:defPPr>
-            <a:lvl1pPr algn="ctr">
-              <a:defRPr sz="1400"/>
-            </a:lvl1pPr>
-          </a:lstStyle>
+          <a:lstStyle/>
           <a:p>
             <a:pPr algn="r"/>
             <a:r>
@@ -6035,97 +5971,23 @@
               <a:t>s</a:t>
             </a:r>
             <a:r>
-              <a:rPr lang="en-US" dirty="0"/>
+              <a:rPr lang="en-US" dirty="0" smtClean="0"/>
               <a:t>croll up/down</a:t>
             </a:r>
           </a:p>
           <a:p>
             <a:pPr algn="r"/>
             <a:r>
-              <a:rPr lang="en-US" dirty="0"/>
-              <a:t>sync </a:t>
-            </a:r>
-            <a:r>
               <a:rPr lang="en-US" dirty="0" smtClean="0"/>
-              <a:t>side-by-side</a:t>
+              <a:t>through</a:t>
             </a:r>
           </a:p>
           <a:p>
             <a:pPr algn="r"/>
             <a:r>
               <a:rPr lang="en-US" dirty="0" smtClean="0"/>
-              <a:t>ListView scroll positions</a:t>
-            </a:r>
-            <a:endParaRPr lang="en-US" dirty="0"/>
-          </a:p>
-        </p:txBody>
-      </p:sp>
-      <p:sp>
-        <p:nvSpPr>
-          <p:cNvPr id="46" name="TextBox 45"/>
-          <p:cNvSpPr txBox="1"/>
-          <p:nvPr/>
-        </p:nvSpPr>
-        <p:spPr>
-          <a:xfrm>
-            <a:off x="6659069" y="-32431"/>
-            <a:ext cx="2101986" cy="307777"/>
-          </a:xfrm>
-          <a:prstGeom prst="rect">
-            <a:avLst/>
-          </a:prstGeom>
-          <a:noFill/>
-        </p:spPr>
-        <p:txBody>
-          <a:bodyPr wrap="none" rtlCol="0">
-            <a:spAutoFit/>
-          </a:bodyPr>
-          <a:lstStyle/>
-          <a:p>
-            <a:pPr algn="ctr"/>
-            <a:r>
-              <a:rPr lang="en-US" sz="1400" dirty="0" smtClean="0"/>
-              <a:t>upgrade domains ListView</a:t>
-            </a:r>
-            <a:endParaRPr lang="en-US" sz="1400" dirty="0"/>
-          </a:p>
-        </p:txBody>
-      </p:sp>
-      <p:sp>
-        <p:nvSpPr>
-          <p:cNvPr id="47" name="Left Brace 46"/>
-          <p:cNvSpPr/>
-          <p:nvPr/>
-        </p:nvSpPr>
-        <p:spPr>
-          <a:xfrm rot="5400000">
-            <a:off x="7383917" y="-3397791"/>
-            <a:ext cx="652278" cy="8106901"/>
-          </a:xfrm>
-          <a:prstGeom prst="leftBrace">
-            <a:avLst/>
-          </a:prstGeom>
-          <a:ln w="22225"/>
-        </p:spPr>
-        <p:style>
-          <a:lnRef idx="3">
-            <a:schemeClr val="dk1"/>
-          </a:lnRef>
-          <a:fillRef idx="0">
-            <a:schemeClr val="dk1"/>
-          </a:fillRef>
-          <a:effectRef idx="2">
-            <a:schemeClr val="dk1"/>
-          </a:effectRef>
-          <a:fontRef idx="minor">
-            <a:schemeClr val="tx1"/>
-          </a:fontRef>
-        </p:style>
-        <p:txBody>
-          <a:bodyPr rtlCol="0" anchor="ctr"/>
-          <a:lstStyle/>
-          <a:p>
-            <a:pPr algn="ctr"/>
+              <a:t>upgrade domains</a:t>
+            </a:r>
             <a:endParaRPr lang="en-US" dirty="0"/>
           </a:p>
         </p:txBody>
@@ -6138,7 +6000,7 @@
         </p:nvCxnSpPr>
         <p:spPr>
           <a:xfrm>
-            <a:off x="2806819" y="1418367"/>
+            <a:off x="2192858" y="1314457"/>
             <a:ext cx="8956687" cy="0"/>
           </a:xfrm>
           <a:prstGeom prst="line">
@@ -6173,7 +6035,7 @@
         </p:nvCxnSpPr>
         <p:spPr>
           <a:xfrm>
-            <a:off x="2830629" y="1985109"/>
+            <a:off x="2216668" y="1881199"/>
             <a:ext cx="8932877" cy="0"/>
           </a:xfrm>
           <a:prstGeom prst="line">
@@ -6208,7 +6070,7 @@
         </p:nvCxnSpPr>
         <p:spPr>
           <a:xfrm>
-            <a:off x="2806819" y="2528030"/>
+            <a:off x="2192858" y="2424120"/>
             <a:ext cx="8956687" cy="0"/>
           </a:xfrm>
           <a:prstGeom prst="line">
@@ -6243,7 +6105,7 @@
         </p:nvCxnSpPr>
         <p:spPr>
           <a:xfrm>
-            <a:off x="2830629" y="3094772"/>
+            <a:off x="2216668" y="2990862"/>
             <a:ext cx="8932877" cy="0"/>
           </a:xfrm>
           <a:prstGeom prst="line">
@@ -6278,7 +6140,7 @@
         </p:nvCxnSpPr>
         <p:spPr>
           <a:xfrm>
-            <a:off x="2806819" y="3642454"/>
+            <a:off x="2192858" y="3538544"/>
             <a:ext cx="8956687" cy="0"/>
           </a:xfrm>
           <a:prstGeom prst="line">
@@ -6313,7 +6175,7 @@
         </p:nvCxnSpPr>
         <p:spPr>
           <a:xfrm>
-            <a:off x="2830629" y="4209196"/>
+            <a:off x="2216668" y="4105286"/>
             <a:ext cx="8932877" cy="0"/>
           </a:xfrm>
           <a:prstGeom prst="line">
@@ -6348,7 +6210,7 @@
         </p:nvCxnSpPr>
         <p:spPr>
           <a:xfrm>
-            <a:off x="2806819" y="4752117"/>
+            <a:off x="2192858" y="4648207"/>
             <a:ext cx="8956687" cy="0"/>
           </a:xfrm>
           <a:prstGeom prst="line">
@@ -6383,7 +6245,7 @@
         </p:nvCxnSpPr>
         <p:spPr>
           <a:xfrm>
-            <a:off x="2830629" y="5318859"/>
+            <a:off x="2216668" y="5214949"/>
             <a:ext cx="8932877" cy="0"/>
           </a:xfrm>
           <a:prstGeom prst="line">
@@ -6418,7 +6280,7 @@
         </p:nvCxnSpPr>
         <p:spPr>
           <a:xfrm>
-            <a:off x="2806819" y="5861779"/>
+            <a:off x="2192858" y="5757869"/>
             <a:ext cx="8956687" cy="0"/>
           </a:xfrm>
           <a:prstGeom prst="line">
@@ -6453,7 +6315,7 @@
         </p:nvCxnSpPr>
         <p:spPr>
           <a:xfrm>
-            <a:off x="2830629" y="6428521"/>
+            <a:off x="2216668" y="6324611"/>
             <a:ext cx="8932877" cy="0"/>
           </a:xfrm>
           <a:prstGeom prst="line">
@@ -6482,44 +6344,14 @@
       </p:cxnSp>
       <p:sp>
         <p:nvSpPr>
-          <p:cNvPr id="32" name="TextBox 31"/>
-          <p:cNvSpPr txBox="1"/>
-          <p:nvPr/>
-        </p:nvSpPr>
-        <p:spPr>
-          <a:xfrm>
-            <a:off x="4974414" y="5373975"/>
-            <a:ext cx="1571649" cy="369332"/>
-          </a:xfrm>
-          <a:prstGeom prst="rect">
-            <a:avLst/>
-          </a:prstGeom>
-          <a:noFill/>
-        </p:spPr>
-        <p:txBody>
-          <a:bodyPr wrap="none" rtlCol="0">
-            <a:spAutoFit/>
-          </a:bodyPr>
-          <a:lstStyle/>
-          <a:p>
-            <a:r>
-              <a:rPr lang="en-US" dirty="0" smtClean="0"/>
-              <a:t>scroll left/right</a:t>
-            </a:r>
-            <a:endParaRPr lang="en-US" dirty="0"/>
-          </a:p>
-        </p:txBody>
-      </p:sp>
-      <p:sp>
-        <p:nvSpPr>
           <p:cNvPr id="57" name="Rectangle 56"/>
           <p:cNvSpPr/>
           <p:nvPr/>
         </p:nvSpPr>
         <p:spPr>
           <a:xfrm>
-            <a:off x="3816666" y="1456344"/>
-            <a:ext cx="930822" cy="480883"/>
+            <a:off x="3202705" y="1352434"/>
+            <a:ext cx="1199630" cy="480883"/>
           </a:xfrm>
           <a:prstGeom prst="rect">
             <a:avLst/>
@@ -6564,8 +6396,8 @@
         </p:nvSpPr>
         <p:spPr>
           <a:xfrm>
-            <a:off x="5757074" y="1456344"/>
-            <a:ext cx="930822" cy="480883"/>
+            <a:off x="5825279" y="1352434"/>
+            <a:ext cx="1199630" cy="480883"/>
           </a:xfrm>
           <a:prstGeom prst="rect">
             <a:avLst/>
@@ -6604,14 +6436,14 @@
       </p:sp>
       <p:sp>
         <p:nvSpPr>
-          <p:cNvPr id="62" name="Rectangle 61"/>
+          <p:cNvPr id="48" name="Rectangle 47"/>
           <p:cNvSpPr/>
           <p:nvPr/>
         </p:nvSpPr>
         <p:spPr>
           <a:xfrm>
-            <a:off x="6721483" y="1456344"/>
-            <a:ext cx="930822" cy="480883"/>
+            <a:off x="3202705" y="1915357"/>
+            <a:ext cx="1199630" cy="480883"/>
           </a:xfrm>
           <a:prstGeom prst="rect">
             <a:avLst/>
@@ -6650,14 +6482,14 @@
       </p:sp>
       <p:sp>
         <p:nvSpPr>
-          <p:cNvPr id="48" name="Rectangle 47"/>
+          <p:cNvPr id="58" name="Rectangle 57"/>
           <p:cNvSpPr/>
           <p:nvPr/>
         </p:nvSpPr>
         <p:spPr>
           <a:xfrm>
-            <a:off x="3816666" y="2019267"/>
-            <a:ext cx="930822" cy="480883"/>
+            <a:off x="4523107" y="1915357"/>
+            <a:ext cx="1199630" cy="480883"/>
           </a:xfrm>
           <a:prstGeom prst="rect">
             <a:avLst/>
@@ -6696,14 +6528,14 @@
       </p:sp>
       <p:sp>
         <p:nvSpPr>
-          <p:cNvPr id="58" name="Rectangle 57"/>
+          <p:cNvPr id="65" name="Rectangle 64"/>
           <p:cNvSpPr/>
           <p:nvPr/>
         </p:nvSpPr>
         <p:spPr>
           <a:xfrm>
-            <a:off x="4788731" y="2019267"/>
-            <a:ext cx="930822" cy="480883"/>
+            <a:off x="4523107" y="2468778"/>
+            <a:ext cx="1199630" cy="480883"/>
           </a:xfrm>
           <a:prstGeom prst="rect">
             <a:avLst/>
@@ -6742,14 +6574,14 @@
       </p:sp>
       <p:sp>
         <p:nvSpPr>
-          <p:cNvPr id="64" name="Rectangle 63"/>
+          <p:cNvPr id="66" name="Rectangle 65"/>
           <p:cNvSpPr/>
           <p:nvPr/>
         </p:nvSpPr>
         <p:spPr>
           <a:xfrm>
-            <a:off x="6721483" y="2572498"/>
-            <a:ext cx="930822" cy="480883"/>
+            <a:off x="3202705" y="3025018"/>
+            <a:ext cx="1199630" cy="480883"/>
           </a:xfrm>
           <a:prstGeom prst="rect">
             <a:avLst/>
@@ -6788,14 +6620,14 @@
       </p:sp>
       <p:sp>
         <p:nvSpPr>
-          <p:cNvPr id="65" name="Rectangle 64"/>
+          <p:cNvPr id="67" name="Rectangle 66"/>
           <p:cNvSpPr/>
           <p:nvPr/>
         </p:nvSpPr>
         <p:spPr>
           <a:xfrm>
-            <a:off x="4788731" y="2572498"/>
-            <a:ext cx="930822" cy="480883"/>
+            <a:off x="5825284" y="3025018"/>
+            <a:ext cx="1199630" cy="480883"/>
           </a:xfrm>
           <a:prstGeom prst="rect">
             <a:avLst/>
@@ -6834,14 +6666,14 @@
       </p:sp>
       <p:sp>
         <p:nvSpPr>
-          <p:cNvPr id="66" name="Rectangle 65"/>
+          <p:cNvPr id="73" name="Rectangle 72"/>
           <p:cNvSpPr/>
           <p:nvPr/>
         </p:nvSpPr>
         <p:spPr>
           <a:xfrm>
-            <a:off x="3816666" y="3128928"/>
-            <a:ext cx="930822" cy="480883"/>
+            <a:off x="4566656" y="3580783"/>
+            <a:ext cx="1199630" cy="480883"/>
           </a:xfrm>
           <a:prstGeom prst="rect">
             <a:avLst/>
@@ -6878,593 +6710,10 @@
           </a:p>
         </p:txBody>
       </p:sp>
-      <p:sp>
-        <p:nvSpPr>
-          <p:cNvPr id="67" name="Rectangle 66"/>
-          <p:cNvSpPr/>
-          <p:nvPr/>
-        </p:nvSpPr>
-        <p:spPr>
-          <a:xfrm>
-            <a:off x="5757074" y="3128928"/>
-            <a:ext cx="930822" cy="480883"/>
-          </a:xfrm>
-          <a:prstGeom prst="rect">
-            <a:avLst/>
-          </a:prstGeom>
-          <a:solidFill>
-            <a:schemeClr val="accent6"/>
-          </a:solidFill>
-          <a:ln>
-            <a:solidFill>
-              <a:schemeClr val="tx1"/>
-            </a:solidFill>
-          </a:ln>
-        </p:spPr>
-        <p:style>
-          <a:lnRef idx="0">
-            <a:schemeClr val="accent6"/>
-          </a:lnRef>
-          <a:fillRef idx="3">
-            <a:schemeClr val="accent6"/>
-          </a:fillRef>
-          <a:effectRef idx="3">
-            <a:schemeClr val="accent6"/>
-          </a:effectRef>
-          <a:fontRef idx="minor">
-            <a:schemeClr val="lt1"/>
-          </a:fontRef>
-        </p:style>
-        <p:txBody>
-          <a:bodyPr rtlCol="0" anchor="ctr"/>
-          <a:lstStyle/>
-          <a:p>
-            <a:pPr algn="ctr"/>
-            <a:endParaRPr lang="en-US" dirty="0"/>
-          </a:p>
-        </p:txBody>
-      </p:sp>
-      <p:sp>
-        <p:nvSpPr>
-          <p:cNvPr id="73" name="Rectangle 72"/>
-          <p:cNvSpPr/>
-          <p:nvPr/>
-        </p:nvSpPr>
-        <p:spPr>
-          <a:xfrm>
-            <a:off x="4788731" y="3684693"/>
-            <a:ext cx="930822" cy="480883"/>
-          </a:xfrm>
-          <a:prstGeom prst="rect">
-            <a:avLst/>
-          </a:prstGeom>
-          <a:solidFill>
-            <a:schemeClr val="accent6"/>
-          </a:solidFill>
-          <a:ln>
-            <a:solidFill>
-              <a:schemeClr val="tx1"/>
-            </a:solidFill>
-          </a:ln>
-        </p:spPr>
-        <p:style>
-          <a:lnRef idx="0">
-            <a:schemeClr val="accent6"/>
-          </a:lnRef>
-          <a:fillRef idx="3">
-            <a:schemeClr val="accent6"/>
-          </a:fillRef>
-          <a:effectRef idx="3">
-            <a:schemeClr val="accent6"/>
-          </a:effectRef>
-          <a:fontRef idx="minor">
-            <a:schemeClr val="lt1"/>
-          </a:fontRef>
-        </p:style>
-        <p:txBody>
-          <a:bodyPr rtlCol="0" anchor="ctr"/>
-          <a:lstStyle/>
-          <a:p>
-            <a:pPr algn="ctr"/>
-            <a:endParaRPr lang="en-US" dirty="0"/>
-          </a:p>
-        </p:txBody>
-      </p:sp>
-      <p:sp>
-        <p:nvSpPr>
-          <p:cNvPr id="76" name="Rectangle 75"/>
-          <p:cNvSpPr/>
-          <p:nvPr/>
-        </p:nvSpPr>
-        <p:spPr>
-          <a:xfrm>
-            <a:off x="10759534" y="1459688"/>
-            <a:ext cx="930822" cy="480883"/>
-          </a:xfrm>
-          <a:prstGeom prst="rect">
-            <a:avLst/>
-          </a:prstGeom>
-          <a:solidFill>
-            <a:schemeClr val="accent6"/>
-          </a:solidFill>
-          <a:ln>
-            <a:solidFill>
-              <a:schemeClr val="tx1"/>
-            </a:solidFill>
-          </a:ln>
-        </p:spPr>
-        <p:style>
-          <a:lnRef idx="0">
-            <a:schemeClr val="accent6"/>
-          </a:lnRef>
-          <a:fillRef idx="3">
-            <a:schemeClr val="accent6"/>
-          </a:fillRef>
-          <a:effectRef idx="3">
-            <a:schemeClr val="accent6"/>
-          </a:effectRef>
-          <a:fontRef idx="minor">
-            <a:schemeClr val="lt1"/>
-          </a:fontRef>
-        </p:style>
-        <p:txBody>
-          <a:bodyPr rtlCol="0" anchor="ctr"/>
-          <a:lstStyle/>
-          <a:p>
-            <a:pPr algn="ctr"/>
-            <a:endParaRPr lang="en-US" dirty="0"/>
-          </a:p>
-        </p:txBody>
-      </p:sp>
-      <p:sp>
-        <p:nvSpPr>
-          <p:cNvPr id="77" name="Rectangle 76"/>
-          <p:cNvSpPr/>
-          <p:nvPr/>
-        </p:nvSpPr>
-        <p:spPr>
-          <a:xfrm>
-            <a:off x="8826782" y="1459688"/>
-            <a:ext cx="930822" cy="480883"/>
-          </a:xfrm>
-          <a:prstGeom prst="rect">
-            <a:avLst/>
-          </a:prstGeom>
-          <a:solidFill>
-            <a:schemeClr val="accent6"/>
-          </a:solidFill>
-          <a:ln>
-            <a:solidFill>
-              <a:schemeClr val="tx1"/>
-            </a:solidFill>
-          </a:ln>
-        </p:spPr>
-        <p:style>
-          <a:lnRef idx="0">
-            <a:schemeClr val="accent6"/>
-          </a:lnRef>
-          <a:fillRef idx="3">
-            <a:schemeClr val="accent6"/>
-          </a:fillRef>
-          <a:effectRef idx="3">
-            <a:schemeClr val="accent6"/>
-          </a:effectRef>
-          <a:fontRef idx="minor">
-            <a:schemeClr val="lt1"/>
-          </a:fontRef>
-        </p:style>
-        <p:txBody>
-          <a:bodyPr rtlCol="0" anchor="ctr"/>
-          <a:lstStyle/>
-          <a:p>
-            <a:pPr algn="ctr"/>
-            <a:endParaRPr lang="en-US" dirty="0"/>
-          </a:p>
-        </p:txBody>
-      </p:sp>
-      <p:sp>
-        <p:nvSpPr>
-          <p:cNvPr id="78" name="Rectangle 77"/>
-          <p:cNvSpPr/>
-          <p:nvPr/>
-        </p:nvSpPr>
-        <p:spPr>
-          <a:xfrm>
-            <a:off x="7854717" y="2022611"/>
-            <a:ext cx="930822" cy="480883"/>
-          </a:xfrm>
-          <a:prstGeom prst="rect">
-            <a:avLst/>
-          </a:prstGeom>
-          <a:solidFill>
-            <a:schemeClr val="accent6"/>
-          </a:solidFill>
-          <a:ln>
-            <a:solidFill>
-              <a:schemeClr val="tx1"/>
-            </a:solidFill>
-          </a:ln>
-        </p:spPr>
-        <p:style>
-          <a:lnRef idx="0">
-            <a:schemeClr val="accent6"/>
-          </a:lnRef>
-          <a:fillRef idx="3">
-            <a:schemeClr val="accent6"/>
-          </a:fillRef>
-          <a:effectRef idx="3">
-            <a:schemeClr val="accent6"/>
-          </a:effectRef>
-          <a:fontRef idx="minor">
-            <a:schemeClr val="lt1"/>
-          </a:fontRef>
-        </p:style>
-        <p:txBody>
-          <a:bodyPr rtlCol="0" anchor="ctr"/>
-          <a:lstStyle/>
-          <a:p>
-            <a:pPr algn="ctr"/>
-            <a:endParaRPr lang="en-US" dirty="0"/>
-          </a:p>
-        </p:txBody>
-      </p:sp>
-      <p:sp>
-        <p:nvSpPr>
-          <p:cNvPr id="81" name="Rectangle 80"/>
-          <p:cNvSpPr/>
-          <p:nvPr/>
-        </p:nvSpPr>
-        <p:spPr>
-          <a:xfrm>
-            <a:off x="8826782" y="2022611"/>
-            <a:ext cx="930822" cy="480883"/>
-          </a:xfrm>
-          <a:prstGeom prst="rect">
-            <a:avLst/>
-          </a:prstGeom>
-          <a:solidFill>
-            <a:schemeClr val="accent6"/>
-          </a:solidFill>
-          <a:ln>
-            <a:solidFill>
-              <a:schemeClr val="tx1"/>
-            </a:solidFill>
-          </a:ln>
-        </p:spPr>
-        <p:style>
-          <a:lnRef idx="0">
-            <a:schemeClr val="accent6"/>
-          </a:lnRef>
-          <a:fillRef idx="3">
-            <a:schemeClr val="accent6"/>
-          </a:fillRef>
-          <a:effectRef idx="3">
-            <a:schemeClr val="accent6"/>
-          </a:effectRef>
-          <a:fontRef idx="minor">
-            <a:schemeClr val="lt1"/>
-          </a:fontRef>
-        </p:style>
-        <p:txBody>
-          <a:bodyPr rtlCol="0" anchor="ctr"/>
-          <a:lstStyle/>
-          <a:p>
-            <a:pPr algn="ctr"/>
-            <a:endParaRPr lang="en-US" dirty="0"/>
-          </a:p>
-        </p:txBody>
-      </p:sp>
-      <p:sp>
-        <p:nvSpPr>
-          <p:cNvPr id="83" name="Rectangle 82"/>
-          <p:cNvSpPr/>
-          <p:nvPr/>
-        </p:nvSpPr>
-        <p:spPr>
-          <a:xfrm>
-            <a:off x="9795125" y="2575842"/>
-            <a:ext cx="930822" cy="480883"/>
-          </a:xfrm>
-          <a:prstGeom prst="rect">
-            <a:avLst/>
-          </a:prstGeom>
-          <a:solidFill>
-            <a:schemeClr val="accent6"/>
-          </a:solidFill>
-          <a:ln>
-            <a:solidFill>
-              <a:schemeClr val="tx1"/>
-            </a:solidFill>
-          </a:ln>
-        </p:spPr>
-        <p:style>
-          <a:lnRef idx="0">
-            <a:schemeClr val="accent6"/>
-          </a:lnRef>
-          <a:fillRef idx="3">
-            <a:schemeClr val="accent6"/>
-          </a:fillRef>
-          <a:effectRef idx="3">
-            <a:schemeClr val="accent6"/>
-          </a:effectRef>
-          <a:fontRef idx="minor">
-            <a:schemeClr val="lt1"/>
-          </a:fontRef>
-        </p:style>
-        <p:txBody>
-          <a:bodyPr rtlCol="0" anchor="ctr"/>
-          <a:lstStyle/>
-          <a:p>
-            <a:pPr algn="ctr"/>
-            <a:endParaRPr lang="en-US" dirty="0"/>
-          </a:p>
-        </p:txBody>
-      </p:sp>
-      <p:sp>
-        <p:nvSpPr>
-          <p:cNvPr id="88" name="Rectangle 87"/>
-          <p:cNvSpPr/>
-          <p:nvPr/>
-        </p:nvSpPr>
-        <p:spPr>
-          <a:xfrm>
-            <a:off x="10759534" y="3132272"/>
-            <a:ext cx="930822" cy="480883"/>
-          </a:xfrm>
-          <a:prstGeom prst="rect">
-            <a:avLst/>
-          </a:prstGeom>
-          <a:solidFill>
-            <a:schemeClr val="accent6"/>
-          </a:solidFill>
-          <a:ln>
-            <a:solidFill>
-              <a:schemeClr val="tx1"/>
-            </a:solidFill>
-          </a:ln>
-        </p:spPr>
-        <p:style>
-          <a:lnRef idx="0">
-            <a:schemeClr val="accent6"/>
-          </a:lnRef>
-          <a:fillRef idx="3">
-            <a:schemeClr val="accent6"/>
-          </a:fillRef>
-          <a:effectRef idx="3">
-            <a:schemeClr val="accent6"/>
-          </a:effectRef>
-          <a:fontRef idx="minor">
-            <a:schemeClr val="lt1"/>
-          </a:fontRef>
-        </p:style>
-        <p:txBody>
-          <a:bodyPr rtlCol="0" anchor="ctr"/>
-          <a:lstStyle/>
-          <a:p>
-            <a:pPr algn="ctr"/>
-            <a:endParaRPr lang="en-US" dirty="0"/>
-          </a:p>
-        </p:txBody>
-      </p:sp>
-      <p:sp>
-        <p:nvSpPr>
-          <p:cNvPr id="89" name="Rectangle 88"/>
-          <p:cNvSpPr/>
-          <p:nvPr/>
-        </p:nvSpPr>
-        <p:spPr>
-          <a:xfrm>
-            <a:off x="8826782" y="3132272"/>
-            <a:ext cx="930822" cy="480883"/>
-          </a:xfrm>
-          <a:prstGeom prst="rect">
-            <a:avLst/>
-          </a:prstGeom>
-          <a:solidFill>
-            <a:schemeClr val="accent6"/>
-          </a:solidFill>
-          <a:ln>
-            <a:solidFill>
-              <a:schemeClr val="tx1"/>
-            </a:solidFill>
-          </a:ln>
-        </p:spPr>
-        <p:style>
-          <a:lnRef idx="0">
-            <a:schemeClr val="accent6"/>
-          </a:lnRef>
-          <a:fillRef idx="3">
-            <a:schemeClr val="accent6"/>
-          </a:fillRef>
-          <a:effectRef idx="3">
-            <a:schemeClr val="accent6"/>
-          </a:effectRef>
-          <a:fontRef idx="minor">
-            <a:schemeClr val="lt1"/>
-          </a:fontRef>
-        </p:style>
-        <p:txBody>
-          <a:bodyPr rtlCol="0" anchor="ctr"/>
-          <a:lstStyle/>
-          <a:p>
-            <a:pPr algn="ctr"/>
-            <a:endParaRPr lang="en-US" dirty="0"/>
-          </a:p>
-        </p:txBody>
-      </p:sp>
-      <p:sp>
-        <p:nvSpPr>
-          <p:cNvPr id="90" name="Rectangle 89"/>
-          <p:cNvSpPr/>
-          <p:nvPr/>
-        </p:nvSpPr>
-        <p:spPr>
-          <a:xfrm>
-            <a:off x="7854717" y="3688037"/>
-            <a:ext cx="930822" cy="480883"/>
-          </a:xfrm>
-          <a:prstGeom prst="rect">
-            <a:avLst/>
-          </a:prstGeom>
-          <a:solidFill>
-            <a:schemeClr val="accent6"/>
-          </a:solidFill>
-          <a:ln>
-            <a:solidFill>
-              <a:schemeClr val="tx1"/>
-            </a:solidFill>
-          </a:ln>
-        </p:spPr>
-        <p:style>
-          <a:lnRef idx="0">
-            <a:schemeClr val="accent6"/>
-          </a:lnRef>
-          <a:fillRef idx="3">
-            <a:schemeClr val="accent6"/>
-          </a:fillRef>
-          <a:effectRef idx="3">
-            <a:schemeClr val="accent6"/>
-          </a:effectRef>
-          <a:fontRef idx="minor">
-            <a:schemeClr val="lt1"/>
-          </a:fontRef>
-        </p:style>
-        <p:txBody>
-          <a:bodyPr rtlCol="0" anchor="ctr"/>
-          <a:lstStyle/>
-          <a:p>
-            <a:pPr algn="ctr"/>
-            <a:endParaRPr lang="en-US" dirty="0"/>
-          </a:p>
-        </p:txBody>
-      </p:sp>
-      <p:sp>
-        <p:nvSpPr>
-          <p:cNvPr id="91" name="Rectangle 90"/>
-          <p:cNvSpPr/>
-          <p:nvPr/>
-        </p:nvSpPr>
-        <p:spPr>
-          <a:xfrm>
-            <a:off x="9795125" y="3688037"/>
-            <a:ext cx="930822" cy="480883"/>
-          </a:xfrm>
-          <a:prstGeom prst="rect">
-            <a:avLst/>
-          </a:prstGeom>
-          <a:solidFill>
-            <a:schemeClr val="accent6"/>
-          </a:solidFill>
-          <a:ln>
-            <a:solidFill>
-              <a:schemeClr val="tx1"/>
-            </a:solidFill>
-          </a:ln>
-        </p:spPr>
-        <p:style>
-          <a:lnRef idx="0">
-            <a:schemeClr val="accent6"/>
-          </a:lnRef>
-          <a:fillRef idx="3">
-            <a:schemeClr val="accent6"/>
-          </a:fillRef>
-          <a:effectRef idx="3">
-            <a:schemeClr val="accent6"/>
-          </a:effectRef>
-          <a:fontRef idx="minor">
-            <a:schemeClr val="lt1"/>
-          </a:fontRef>
-        </p:style>
-        <p:txBody>
-          <a:bodyPr rtlCol="0" anchor="ctr"/>
-          <a:lstStyle/>
-          <a:p>
-            <a:pPr algn="ctr"/>
-            <a:endParaRPr lang="en-US" dirty="0"/>
-          </a:p>
-        </p:txBody>
-      </p:sp>
-      <p:sp>
-        <p:nvSpPr>
-          <p:cNvPr id="96" name="Left Brace 95"/>
-          <p:cNvSpPr/>
-          <p:nvPr/>
-        </p:nvSpPr>
-        <p:spPr>
-          <a:xfrm rot="5400000">
-            <a:off x="5613925" y="-934215"/>
-            <a:ext cx="190024" cy="4104663"/>
-          </a:xfrm>
-          <a:prstGeom prst="leftBrace">
-            <a:avLst>
-              <a:gd name="adj1" fmla="val 8333"/>
-              <a:gd name="adj2" fmla="val 50742"/>
-            </a:avLst>
-          </a:prstGeom>
-          <a:ln w="22225"/>
-        </p:spPr>
-        <p:style>
-          <a:lnRef idx="3">
-            <a:schemeClr val="dk1"/>
-          </a:lnRef>
-          <a:fillRef idx="0">
-            <a:schemeClr val="dk1"/>
-          </a:fillRef>
-          <a:effectRef idx="2">
-            <a:schemeClr val="dk1"/>
-          </a:effectRef>
-          <a:fontRef idx="minor">
-            <a:schemeClr val="tx1"/>
-          </a:fontRef>
-        </p:style>
-        <p:txBody>
-          <a:bodyPr rtlCol="0" anchor="ctr"/>
-          <a:lstStyle/>
-          <a:p>
-            <a:pPr algn="ctr"/>
-            <a:endParaRPr lang="en-US" dirty="0"/>
-          </a:p>
-        </p:txBody>
-      </p:sp>
-      <p:sp>
-        <p:nvSpPr>
-          <p:cNvPr id="97" name="TextBox 96"/>
-          <p:cNvSpPr txBox="1"/>
-          <p:nvPr/>
-        </p:nvSpPr>
-        <p:spPr>
-          <a:xfrm>
-            <a:off x="4485582" y="786372"/>
-            <a:ext cx="2341154" cy="276999"/>
-          </a:xfrm>
-          <a:prstGeom prst="rect">
-            <a:avLst/>
-          </a:prstGeom>
-          <a:noFill/>
-        </p:spPr>
-        <p:txBody>
-          <a:bodyPr wrap="none" rtlCol="0">
-            <a:spAutoFit/>
-          </a:bodyPr>
-          <a:lstStyle/>
-          <a:p>
-            <a:pPr algn="ctr"/>
-            <a:r>
-              <a:rPr lang="en-US" sz="1200" dirty="0"/>
-              <a:t>c</a:t>
-            </a:r>
-            <a:r>
-              <a:rPr lang="en-US" sz="1200" dirty="0" smtClean="0"/>
-              <a:t>lipping region for horizontal scroll</a:t>
-            </a:r>
-            <a:endParaRPr lang="en-US" sz="1200" dirty="0"/>
-          </a:p>
-        </p:txBody>
-      </p:sp>
     </p:spTree>
     <p:extLst>
       <p:ext uri="{BB962C8B-B14F-4D97-AF65-F5344CB8AC3E}">
-        <p14:creationId xmlns:p14="http://schemas.microsoft.com/office/powerpoint/2010/main" val="651226346"/>
+        <p14:creationId xmlns:p14="http://schemas.microsoft.com/office/powerpoint/2010/main" val="419084021"/>
       </p:ext>
     </p:extLst>
   </p:cSld>
@@ -7500,14 +6749,57 @@
       </p:grpSpPr>
       <p:sp>
         <p:nvSpPr>
+          <p:cNvPr id="95" name="Rectangle 94"/>
+          <p:cNvSpPr/>
+          <p:nvPr/>
+        </p:nvSpPr>
+        <p:spPr>
+          <a:xfrm>
+            <a:off x="3650166" y="1453592"/>
+            <a:ext cx="4111101" cy="5251925"/>
+          </a:xfrm>
+          <a:prstGeom prst="rect">
+            <a:avLst/>
+          </a:prstGeom>
+          <a:solidFill>
+            <a:schemeClr val="accent6">
+              <a:lumMod val="75000"/>
+            </a:schemeClr>
+          </a:solidFill>
+        </p:spPr>
+        <p:style>
+          <a:lnRef idx="0">
+            <a:schemeClr val="accent6"/>
+          </a:lnRef>
+          <a:fillRef idx="3">
+            <a:schemeClr val="accent6"/>
+          </a:fillRef>
+          <a:effectRef idx="3">
+            <a:schemeClr val="accent6"/>
+          </a:effectRef>
+          <a:fontRef idx="minor">
+            <a:schemeClr val="lt1"/>
+          </a:fontRef>
+        </p:style>
+        <p:txBody>
+          <a:bodyPr rtlCol="0" anchor="ctr"/>
+          <a:lstStyle/>
+          <a:p>
+            <a:pPr algn="ctr"/>
+            <a:endParaRPr lang="en-US" dirty="0"/>
+          </a:p>
+        </p:txBody>
+      </p:sp>
+      <p:sp>
+        <p:nvSpPr>
           <p:cNvPr id="4" name="Rectangle 3"/>
           <p:cNvSpPr/>
           <p:nvPr/>
         </p:nvSpPr>
         <p:spPr>
           <a:xfrm>
-            <a:off x="2207146" y="1016000"/>
-            <a:ext cx="4892040" cy="5656274"/>
+            <a:off x="2821107" y="1447925"/>
+            <a:ext cx="825976" cy="5257594"/>
           </a:xfrm>
           <a:prstGeom prst="rect">
             <a:avLst/>
@@ -7538,52 +6830,14 @@
       </p:sp>
       <p:sp>
         <p:nvSpPr>
-          <p:cNvPr id="5" name="Rectangle 4"/>
-          <p:cNvSpPr/>
-          <p:nvPr/>
-        </p:nvSpPr>
-        <p:spPr>
-          <a:xfrm>
-            <a:off x="3045345" y="1103487"/>
-            <a:ext cx="4063363" cy="5427942"/>
-          </a:xfrm>
-          <a:prstGeom prst="rect">
-            <a:avLst/>
-          </a:prstGeom>
-        </p:spPr>
-        <p:style>
-          <a:lnRef idx="0">
-            <a:schemeClr val="accent6"/>
-          </a:lnRef>
-          <a:fillRef idx="3">
-            <a:schemeClr val="accent6"/>
-          </a:fillRef>
-          <a:effectRef idx="3">
-            <a:schemeClr val="accent6"/>
-          </a:effectRef>
-          <a:fontRef idx="minor">
-            <a:schemeClr val="lt1"/>
-          </a:fontRef>
-        </p:style>
-        <p:txBody>
-          <a:bodyPr rtlCol="0" anchor="ctr"/>
-          <a:lstStyle/>
-          <a:p>
-            <a:pPr algn="ctr"/>
-            <a:endParaRPr lang="en-US" dirty="0"/>
-          </a:p>
-        </p:txBody>
-      </p:sp>
-      <p:sp>
-        <p:nvSpPr>
           <p:cNvPr id="27" name="Left Brace 26"/>
           <p:cNvSpPr/>
           <p:nvPr/>
         </p:nvSpPr>
         <p:spPr>
           <a:xfrm rot="5400000">
-            <a:off x="4494513" y="-1725702"/>
-            <a:ext cx="305752" cy="4901430"/>
+            <a:off x="2999213" y="524940"/>
+            <a:ext cx="432653" cy="769821"/>
           </a:xfrm>
           <a:prstGeom prst="leftBrace">
             <a:avLst/>
@@ -7621,8 +6875,8 @@
         </p:nvSpPr>
         <p:spPr>
           <a:xfrm>
-            <a:off x="3156702" y="235874"/>
-            <a:ext cx="2981394" cy="369332"/>
+            <a:off x="2306110" y="170304"/>
+            <a:ext cx="1848198" cy="523220"/>
           </a:xfrm>
           <a:prstGeom prst="rect">
             <a:avLst/>
@@ -7637,14 +6891,22 @@
           <a:p>
             <a:pPr algn="ctr"/>
             <a:r>
-              <a:rPr lang="en-US" dirty="0"/>
-              <a:t>t</a:t>
-            </a:r>
-            <a:r>
-              <a:rPr lang="en-US" dirty="0" smtClean="0"/>
-              <a:t>op-level ClusterMap ListView</a:t>
-            </a:r>
-            <a:endParaRPr lang="en-US" dirty="0"/>
+              <a:rPr lang="en-US" sz="1400" dirty="0"/>
+              <a:t>u</a:t>
+            </a:r>
+            <a:r>
+              <a:rPr lang="en-US" sz="1400" dirty="0" smtClean="0"/>
+              <a:t>pgrade domain labels</a:t>
+            </a:r>
+            <a:endParaRPr lang="en-US" sz="1400" dirty="0"/>
+          </a:p>
+          <a:p>
+            <a:pPr algn="ctr"/>
+            <a:r>
+              <a:rPr lang="en-US" sz="1400" dirty="0" smtClean="0"/>
+              <a:t>ListView</a:t>
+            </a:r>
+            <a:endParaRPr lang="en-US" sz="1400" dirty="0"/>
           </a:p>
         </p:txBody>
       </p:sp>
@@ -7656,7 +6918,7 @@
         </p:nvSpPr>
         <p:spPr>
           <a:xfrm>
-            <a:off x="1762816" y="1314457"/>
+            <a:off x="2376777" y="1562745"/>
             <a:ext cx="214313" cy="566742"/>
           </a:xfrm>
           <a:prstGeom prst="leftBrace">
@@ -7695,43 +6957,8 @@
         </p:nvSpPr>
         <p:spPr>
           <a:xfrm>
-            <a:off x="465183" y="1278692"/>
-            <a:ext cx="1332706" cy="646331"/>
-          </a:xfrm>
-          <a:prstGeom prst="rect">
-            <a:avLst/>
-          </a:prstGeom>
-          <a:noFill/>
-        </p:spPr>
-        <p:txBody>
-          <a:bodyPr wrap="square" rtlCol="0">
-            <a:spAutoFit/>
-          </a:bodyPr>
-          <a:lstStyle/>
-          <a:p>
-            <a:pPr algn="r"/>
-            <a:r>
-              <a:rPr lang="en-US" dirty="0"/>
-              <a:t>u</a:t>
-            </a:r>
-            <a:r>
-              <a:rPr lang="en-US" dirty="0" smtClean="0"/>
-              <a:t>pgrade domain row</a:t>
-            </a:r>
-            <a:endParaRPr lang="en-US" dirty="0"/>
-          </a:p>
-        </p:txBody>
-      </p:sp>
-      <p:sp>
-        <p:nvSpPr>
-          <p:cNvPr id="40" name="TextBox 39"/>
-          <p:cNvSpPr txBox="1"/>
-          <p:nvPr/>
-        </p:nvSpPr>
-        <p:spPr>
-          <a:xfrm>
-            <a:off x="2467095" y="1413162"/>
-            <a:ext cx="301686" cy="369332"/>
+            <a:off x="684282" y="1687400"/>
+            <a:ext cx="1705339" cy="307777"/>
           </a:xfrm>
           <a:prstGeom prst="rect">
             <a:avLst/>
@@ -7742,25 +6969,31 @@
           <a:bodyPr wrap="none" rtlCol="0">
             <a:spAutoFit/>
           </a:bodyPr>
-          <a:lstStyle/>
-          <a:p>
-            <a:r>
-              <a:rPr lang="en-US" dirty="0" smtClean="0"/>
-              <a:t>0</a:t>
-            </a:r>
-            <a:endParaRPr lang="en-US" dirty="0"/>
-          </a:p>
-        </p:txBody>
-      </p:sp>
-      <p:sp>
-        <p:nvSpPr>
-          <p:cNvPr id="41" name="TextBox 40"/>
+          <a:lstStyle>
+            <a:defPPr>
+              <a:defRPr lang="en-US"/>
+            </a:defPPr>
+            <a:lvl1pPr algn="ctr">
+              <a:defRPr sz="1400"/>
+            </a:lvl1pPr>
+          </a:lstStyle>
+          <a:p>
+            <a:r>
+              <a:rPr lang="en-US" dirty="0"/>
+              <a:t>upgrade domain row</a:t>
+            </a:r>
+          </a:p>
+        </p:txBody>
+      </p:sp>
+      <p:sp>
+        <p:nvSpPr>
+          <p:cNvPr id="40" name="TextBox 39"/>
           <p:cNvSpPr txBox="1"/>
           <p:nvPr/>
         </p:nvSpPr>
         <p:spPr>
           <a:xfrm>
-            <a:off x="2467095" y="1967160"/>
+            <a:off x="3081056" y="1661450"/>
             <a:ext cx="301686" cy="369332"/>
           </a:xfrm>
           <a:prstGeom prst="rect">
@@ -7775,21 +7008,22 @@
           <a:lstStyle/>
           <a:p>
             <a:r>
-              <a:rPr lang="en-US" dirty="0"/>
-              <a:t>1</a:t>
-            </a:r>
-          </a:p>
-        </p:txBody>
-      </p:sp>
-      <p:sp>
-        <p:nvSpPr>
-          <p:cNvPr id="42" name="TextBox 41"/>
+              <a:rPr lang="en-US" dirty="0" smtClean="0"/>
+              <a:t>0</a:t>
+            </a:r>
+            <a:endParaRPr lang="en-US" dirty="0"/>
+          </a:p>
+        </p:txBody>
+      </p:sp>
+      <p:sp>
+        <p:nvSpPr>
+          <p:cNvPr id="41" name="TextBox 40"/>
           <p:cNvSpPr txBox="1"/>
           <p:nvPr/>
         </p:nvSpPr>
         <p:spPr>
           <a:xfrm>
-            <a:off x="2466262" y="2520444"/>
+            <a:off x="3081056" y="2215448"/>
             <a:ext cx="301686" cy="369332"/>
           </a:xfrm>
           <a:prstGeom prst="rect">
@@ -7804,22 +7038,21 @@
           <a:lstStyle/>
           <a:p>
             <a:r>
-              <a:rPr lang="en-US" dirty="0" smtClean="0"/>
-              <a:t>2</a:t>
-            </a:r>
-            <a:endParaRPr lang="en-US" dirty="0"/>
-          </a:p>
-        </p:txBody>
-      </p:sp>
-      <p:sp>
-        <p:nvSpPr>
-          <p:cNvPr id="43" name="TextBox 42"/>
+              <a:rPr lang="en-US" dirty="0"/>
+              <a:t>1</a:t>
+            </a:r>
+          </a:p>
+        </p:txBody>
+      </p:sp>
+      <p:sp>
+        <p:nvSpPr>
+          <p:cNvPr id="42" name="TextBox 41"/>
           <p:cNvSpPr txBox="1"/>
           <p:nvPr/>
         </p:nvSpPr>
         <p:spPr>
           <a:xfrm>
-            <a:off x="2475403" y="3063990"/>
+            <a:off x="3080223" y="2768732"/>
             <a:ext cx="301686" cy="369332"/>
           </a:xfrm>
           <a:prstGeom prst="rect">
@@ -7834,21 +7067,22 @@
           <a:lstStyle/>
           <a:p>
             <a:r>
-              <a:rPr lang="en-US" dirty="0"/>
-              <a:t>3</a:t>
-            </a:r>
-          </a:p>
-        </p:txBody>
-      </p:sp>
-      <p:sp>
-        <p:nvSpPr>
-          <p:cNvPr id="44" name="TextBox 43"/>
+              <a:rPr lang="en-US" dirty="0" smtClean="0"/>
+              <a:t>2</a:t>
+            </a:r>
+            <a:endParaRPr lang="en-US" dirty="0"/>
+          </a:p>
+        </p:txBody>
+      </p:sp>
+      <p:sp>
+        <p:nvSpPr>
+          <p:cNvPr id="43" name="TextBox 42"/>
           <p:cNvSpPr txBox="1"/>
           <p:nvPr/>
         </p:nvSpPr>
         <p:spPr>
           <a:xfrm>
-            <a:off x="2466262" y="3643767"/>
+            <a:off x="3089364" y="3312278"/>
             <a:ext cx="301686" cy="369332"/>
           </a:xfrm>
           <a:prstGeom prst="rect">
@@ -7863,6 +7097,35 @@
           <a:lstStyle/>
           <a:p>
             <a:r>
+              <a:rPr lang="en-US" dirty="0"/>
+              <a:t>3</a:t>
+            </a:r>
+          </a:p>
+        </p:txBody>
+      </p:sp>
+      <p:sp>
+        <p:nvSpPr>
+          <p:cNvPr id="44" name="TextBox 43"/>
+          <p:cNvSpPr txBox="1"/>
+          <p:nvPr/>
+        </p:nvSpPr>
+        <p:spPr>
+          <a:xfrm>
+            <a:off x="3080223" y="3892055"/>
+            <a:ext cx="301686" cy="369332"/>
+          </a:xfrm>
+          <a:prstGeom prst="rect">
+            <a:avLst/>
+          </a:prstGeom>
+          <a:noFill/>
+        </p:spPr>
+        <p:txBody>
+          <a:bodyPr wrap="none" rtlCol="0">
+            <a:spAutoFit/>
+          </a:bodyPr>
+          <a:lstStyle/>
+          <a:p>
+            <a:r>
               <a:rPr lang="en-US" dirty="0" smtClean="0"/>
               <a:t>4</a:t>
             </a:r>
@@ -7878,8 +7141,8 @@
         </p:nvSpPr>
         <p:spPr>
           <a:xfrm>
-            <a:off x="3125220" y="1199636"/>
-            <a:ext cx="3972884" cy="5257594"/>
+            <a:off x="3656605" y="1526980"/>
+            <a:ext cx="8106902" cy="5121960"/>
           </a:xfrm>
           <a:prstGeom prst="rect">
             <a:avLst/>
@@ -7888,6 +7151,7 @@
             <a:schemeClr val="accent6">
               <a:lumMod val="40000"/>
               <a:lumOff val="60000"/>
+              <a:alpha val="86000"/>
             </a:schemeClr>
           </a:solidFill>
         </p:spPr>
@@ -7916,14 +7180,14 @@
       </p:sp>
       <p:cxnSp>
         <p:nvCxnSpPr>
-          <p:cNvPr id="33" name="Straight Arrow Connector 32"/>
+          <p:cNvPr id="31" name="Straight Arrow Connector 30"/>
           <p:cNvCxnSpPr/>
           <p:nvPr/>
         </p:nvCxnSpPr>
         <p:spPr>
-          <a:xfrm flipH="1">
-            <a:off x="1975223" y="2590438"/>
-            <a:ext cx="8576" cy="3393274"/>
+          <a:xfrm>
+            <a:off x="3816666" y="5898684"/>
+            <a:ext cx="3835639" cy="0"/>
           </a:xfrm>
           <a:prstGeom prst="straightConnector1">
             <a:avLst/>
@@ -7951,6 +7215,43 @@
           </a:fontRef>
         </p:style>
       </p:cxnSp>
+      <p:cxnSp>
+        <p:nvCxnSpPr>
+          <p:cNvPr id="33" name="Straight Arrow Connector 32"/>
+          <p:cNvCxnSpPr/>
+          <p:nvPr/>
+        </p:nvCxnSpPr>
+        <p:spPr>
+          <a:xfrm flipH="1">
+            <a:off x="2589184" y="2838726"/>
+            <a:ext cx="8576" cy="3393274"/>
+          </a:xfrm>
+          <a:prstGeom prst="straightConnector1">
+            <a:avLst/>
+          </a:prstGeom>
+          <a:ln w="22225">
+            <a:solidFill>
+              <a:schemeClr val="tx1"/>
+            </a:solidFill>
+            <a:headEnd type="triangle" w="lg" len="med"/>
+            <a:tailEnd type="triangle" w="lg" len="med"/>
+          </a:ln>
+        </p:spPr>
+        <p:style>
+          <a:lnRef idx="1">
+            <a:schemeClr val="accent1"/>
+          </a:lnRef>
+          <a:fillRef idx="0">
+            <a:schemeClr val="accent1"/>
+          </a:fillRef>
+          <a:effectRef idx="0">
+            <a:schemeClr val="accent1"/>
+          </a:effectRef>
+          <a:fontRef idx="minor">
+            <a:schemeClr val="tx1"/>
+          </a:fontRef>
+        </p:style>
+      </p:cxnSp>
       <p:sp>
         <p:nvSpPr>
           <p:cNvPr id="45" name="TextBox 44"/>
@@ -7959,8 +7260,8 @@
         </p:nvSpPr>
         <p:spPr>
           <a:xfrm>
-            <a:off x="92869" y="3888352"/>
-            <a:ext cx="1809329" cy="923330"/>
+            <a:off x="308917" y="4273753"/>
+            <a:ext cx="2273123" cy="738664"/>
           </a:xfrm>
           <a:prstGeom prst="rect">
             <a:avLst/>
@@ -7968,10 +7269,28 @@
           <a:noFill/>
         </p:spPr>
         <p:txBody>
-          <a:bodyPr wrap="square" rtlCol="0">
+          <a:bodyPr wrap="none" rtlCol="0">
             <a:spAutoFit/>
           </a:bodyPr>
-          <a:lstStyle/>
+          <a:lstStyle>
+            <a:defPPr>
+              <a:defRPr lang="en-US"/>
+            </a:defPPr>
+            <a:lvl1pPr algn="ctr">
+              <a:defRPr sz="1400"/>
+            </a:lvl1pPr>
+          </a:lstStyle>
+          <a:p>
+            <a:pPr algn="r"/>
+            <a:r>
+              <a:rPr lang="en-US" dirty="0"/>
+              <a:t>scroll </a:t>
+            </a:r>
+            <a:r>
+              <a:rPr lang="en-US" dirty="0" smtClean="0"/>
+              <a:t>up/down</a:t>
+            </a:r>
+          </a:p>
           <a:p>
             <a:pPr algn="r"/>
             <a:r>
@@ -7980,22 +7299,86 @@
             </a:r>
             <a:r>
               <a:rPr lang="en-US" dirty="0" smtClean="0"/>
-              <a:t>croll up/down</a:t>
-            </a:r>
+              <a:t>ync vertical scroll position</a:t>
+            </a:r>
+            <a:endParaRPr lang="en-US" dirty="0"/>
           </a:p>
           <a:p>
             <a:pPr algn="r"/>
             <a:r>
               <a:rPr lang="en-US" dirty="0" smtClean="0"/>
-              <a:t>through</a:t>
-            </a:r>
-          </a:p>
-          <a:p>
-            <a:pPr algn="r"/>
-            <a:r>
-              <a:rPr lang="en-US" dirty="0" smtClean="0"/>
-              <a:t>upgrade domains</a:t>
-            </a:r>
+              <a:t>across side-by-side ListViews</a:t>
+            </a:r>
+            <a:endParaRPr lang="en-US" dirty="0"/>
+          </a:p>
+        </p:txBody>
+      </p:sp>
+      <p:sp>
+        <p:nvSpPr>
+          <p:cNvPr id="46" name="TextBox 45"/>
+          <p:cNvSpPr txBox="1"/>
+          <p:nvPr/>
+        </p:nvSpPr>
+        <p:spPr>
+          <a:xfrm>
+            <a:off x="6659069" y="111947"/>
+            <a:ext cx="2101986" cy="307777"/>
+          </a:xfrm>
+          <a:prstGeom prst="rect">
+            <a:avLst/>
+          </a:prstGeom>
+          <a:noFill/>
+        </p:spPr>
+        <p:txBody>
+          <a:bodyPr wrap="none" rtlCol="0">
+            <a:spAutoFit/>
+          </a:bodyPr>
+          <a:lstStyle/>
+          <a:p>
+            <a:pPr algn="ctr"/>
+            <a:r>
+              <a:rPr lang="en-US" sz="1400" dirty="0" smtClean="0"/>
+              <a:t>upgrade domains ListView</a:t>
+            </a:r>
+            <a:endParaRPr lang="en-US" sz="1400" dirty="0"/>
+          </a:p>
+        </p:txBody>
+      </p:sp>
+      <p:sp>
+        <p:nvSpPr>
+          <p:cNvPr id="47" name="Left Brace 46"/>
+          <p:cNvSpPr/>
+          <p:nvPr/>
+        </p:nvSpPr>
+        <p:spPr>
+          <a:xfrm rot="5400000">
+            <a:off x="7383917" y="-3253413"/>
+            <a:ext cx="652278" cy="8106901"/>
+          </a:xfrm>
+          <a:prstGeom prst="leftBrace">
+            <a:avLst/>
+          </a:prstGeom>
+          <a:ln w="22225"/>
+        </p:spPr>
+        <p:style>
+          <a:lnRef idx="3">
+            <a:schemeClr val="dk1"/>
+          </a:lnRef>
+          <a:fillRef idx="0">
+            <a:schemeClr val="dk1"/>
+          </a:fillRef>
+          <a:effectRef idx="2">
+            <a:schemeClr val="dk1"/>
+          </a:effectRef>
+          <a:fontRef idx="minor">
+            <a:schemeClr val="tx1"/>
+          </a:fontRef>
+        </p:style>
+        <p:txBody>
+          <a:bodyPr rtlCol="0" anchor="ctr"/>
+          <a:lstStyle/>
+          <a:p>
+            <a:pPr algn="ctr"/>
             <a:endParaRPr lang="en-US" dirty="0"/>
           </a:p>
         </p:txBody>
@@ -8008,7 +7391,7 @@
         </p:nvCxnSpPr>
         <p:spPr>
           <a:xfrm>
-            <a:off x="2192858" y="1314457"/>
+            <a:off x="2806819" y="1562745"/>
             <a:ext cx="8956687" cy="0"/>
           </a:xfrm>
           <a:prstGeom prst="line">
@@ -8043,7 +7426,7 @@
         </p:nvCxnSpPr>
         <p:spPr>
           <a:xfrm>
-            <a:off x="2216668" y="1881199"/>
+            <a:off x="2830629" y="2129487"/>
             <a:ext cx="8932877" cy="0"/>
           </a:xfrm>
           <a:prstGeom prst="line">
@@ -8078,7 +7461,7 @@
         </p:nvCxnSpPr>
         <p:spPr>
           <a:xfrm>
-            <a:off x="2192858" y="2424120"/>
+            <a:off x="2806819" y="2672408"/>
             <a:ext cx="8956687" cy="0"/>
           </a:xfrm>
           <a:prstGeom prst="line">
@@ -8113,7 +7496,7 @@
         </p:nvCxnSpPr>
         <p:spPr>
           <a:xfrm>
-            <a:off x="2216668" y="2990862"/>
+            <a:off x="2830629" y="3239150"/>
             <a:ext cx="8932877" cy="0"/>
           </a:xfrm>
           <a:prstGeom prst="line">
@@ -8148,7 +7531,7 @@
         </p:nvCxnSpPr>
         <p:spPr>
           <a:xfrm>
-            <a:off x="2192858" y="3538544"/>
+            <a:off x="2806819" y="3786832"/>
             <a:ext cx="8956687" cy="0"/>
           </a:xfrm>
           <a:prstGeom prst="line">
@@ -8183,7 +7566,7 @@
         </p:nvCxnSpPr>
         <p:spPr>
           <a:xfrm>
-            <a:off x="2216668" y="4105286"/>
+            <a:off x="2830629" y="4353574"/>
             <a:ext cx="8932877" cy="0"/>
           </a:xfrm>
           <a:prstGeom prst="line">
@@ -8218,7 +7601,7 @@
         </p:nvCxnSpPr>
         <p:spPr>
           <a:xfrm>
-            <a:off x="2192858" y="4648207"/>
+            <a:off x="2806819" y="4896495"/>
             <a:ext cx="8956687" cy="0"/>
           </a:xfrm>
           <a:prstGeom prst="line">
@@ -8253,7 +7636,7 @@
         </p:nvCxnSpPr>
         <p:spPr>
           <a:xfrm>
-            <a:off x="2216668" y="5214949"/>
+            <a:off x="2830629" y="5463237"/>
             <a:ext cx="8932877" cy="0"/>
           </a:xfrm>
           <a:prstGeom prst="line">
@@ -8288,7 +7671,7 @@
         </p:nvCxnSpPr>
         <p:spPr>
           <a:xfrm>
-            <a:off x="2192858" y="5757869"/>
+            <a:off x="2806819" y="6006157"/>
             <a:ext cx="8956687" cy="0"/>
           </a:xfrm>
           <a:prstGeom prst="line">
@@ -8323,7 +7706,7 @@
         </p:nvCxnSpPr>
         <p:spPr>
           <a:xfrm>
-            <a:off x="2216668" y="6324611"/>
+            <a:off x="2830629" y="6572899"/>
             <a:ext cx="8932877" cy="0"/>
           </a:xfrm>
           <a:prstGeom prst="line">
@@ -8352,14 +7735,44 @@
       </p:cxnSp>
       <p:sp>
         <p:nvSpPr>
+          <p:cNvPr id="32" name="TextBox 31"/>
+          <p:cNvSpPr txBox="1"/>
+          <p:nvPr/>
+        </p:nvSpPr>
+        <p:spPr>
+          <a:xfrm>
+            <a:off x="4974414" y="5518353"/>
+            <a:ext cx="1571649" cy="369332"/>
+          </a:xfrm>
+          <a:prstGeom prst="rect">
+            <a:avLst/>
+          </a:prstGeom>
+          <a:noFill/>
+        </p:spPr>
+        <p:txBody>
+          <a:bodyPr wrap="none" rtlCol="0">
+            <a:spAutoFit/>
+          </a:bodyPr>
+          <a:lstStyle/>
+          <a:p>
+            <a:r>
+              <a:rPr lang="en-US" dirty="0" smtClean="0"/>
+              <a:t>scroll left/right</a:t>
+            </a:r>
+            <a:endParaRPr lang="en-US" dirty="0"/>
+          </a:p>
+        </p:txBody>
+      </p:sp>
+      <p:sp>
+        <p:nvSpPr>
           <p:cNvPr id="57" name="Rectangle 56"/>
           <p:cNvSpPr/>
           <p:nvPr/>
         </p:nvSpPr>
         <p:spPr>
           <a:xfrm>
-            <a:off x="3202705" y="1352434"/>
-            <a:ext cx="1199630" cy="480883"/>
+            <a:off x="3816666" y="1600722"/>
+            <a:ext cx="930822" cy="480883"/>
           </a:xfrm>
           <a:prstGeom prst="rect">
             <a:avLst/>
@@ -8404,8 +7817,8 @@
         </p:nvSpPr>
         <p:spPr>
           <a:xfrm>
-            <a:off x="5825279" y="1352434"/>
-            <a:ext cx="1199630" cy="480883"/>
+            <a:off x="5757074" y="1600722"/>
+            <a:ext cx="930822" cy="480883"/>
           </a:xfrm>
           <a:prstGeom prst="rect">
             <a:avLst/>
@@ -8444,14 +7857,14 @@
       </p:sp>
       <p:sp>
         <p:nvSpPr>
-          <p:cNvPr id="48" name="Rectangle 47"/>
+          <p:cNvPr id="62" name="Rectangle 61"/>
           <p:cNvSpPr/>
           <p:nvPr/>
         </p:nvSpPr>
         <p:spPr>
           <a:xfrm>
-            <a:off x="3202705" y="1915357"/>
-            <a:ext cx="1199630" cy="480883"/>
+            <a:off x="6721483" y="1600722"/>
+            <a:ext cx="930822" cy="480883"/>
           </a:xfrm>
           <a:prstGeom prst="rect">
             <a:avLst/>
@@ -8490,14 +7903,14 @@
       </p:sp>
       <p:sp>
         <p:nvSpPr>
-          <p:cNvPr id="58" name="Rectangle 57"/>
+          <p:cNvPr id="48" name="Rectangle 47"/>
           <p:cNvSpPr/>
           <p:nvPr/>
         </p:nvSpPr>
         <p:spPr>
           <a:xfrm>
-            <a:off x="4523107" y="1915357"/>
-            <a:ext cx="1199630" cy="480883"/>
+            <a:off x="3816666" y="2163645"/>
+            <a:ext cx="930822" cy="480883"/>
           </a:xfrm>
           <a:prstGeom prst="rect">
             <a:avLst/>
@@ -8536,14 +7949,14 @@
       </p:sp>
       <p:sp>
         <p:nvSpPr>
-          <p:cNvPr id="65" name="Rectangle 64"/>
+          <p:cNvPr id="58" name="Rectangle 57"/>
           <p:cNvSpPr/>
           <p:nvPr/>
         </p:nvSpPr>
         <p:spPr>
           <a:xfrm>
-            <a:off x="4523107" y="2468778"/>
-            <a:ext cx="1199630" cy="480883"/>
+            <a:off x="4788731" y="2163645"/>
+            <a:ext cx="930822" cy="480883"/>
           </a:xfrm>
           <a:prstGeom prst="rect">
             <a:avLst/>
@@ -8582,14 +7995,14 @@
       </p:sp>
       <p:sp>
         <p:nvSpPr>
-          <p:cNvPr id="66" name="Rectangle 65"/>
+          <p:cNvPr id="64" name="Rectangle 63"/>
           <p:cNvSpPr/>
           <p:nvPr/>
         </p:nvSpPr>
         <p:spPr>
           <a:xfrm>
-            <a:off x="3202705" y="3025018"/>
-            <a:ext cx="1199630" cy="480883"/>
+            <a:off x="6721483" y="2716876"/>
+            <a:ext cx="930822" cy="480883"/>
           </a:xfrm>
           <a:prstGeom prst="rect">
             <a:avLst/>
@@ -8628,14 +8041,14 @@
       </p:sp>
       <p:sp>
         <p:nvSpPr>
-          <p:cNvPr id="67" name="Rectangle 66"/>
+          <p:cNvPr id="65" name="Rectangle 64"/>
           <p:cNvSpPr/>
           <p:nvPr/>
         </p:nvSpPr>
         <p:spPr>
           <a:xfrm>
-            <a:off x="5825284" y="3025018"/>
-            <a:ext cx="1199630" cy="480883"/>
+            <a:off x="4788731" y="2716876"/>
+            <a:ext cx="930822" cy="480883"/>
           </a:xfrm>
           <a:prstGeom prst="rect">
             <a:avLst/>
@@ -8674,14 +8087,14 @@
       </p:sp>
       <p:sp>
         <p:nvSpPr>
-          <p:cNvPr id="73" name="Rectangle 72"/>
+          <p:cNvPr id="66" name="Rectangle 65"/>
           <p:cNvSpPr/>
           <p:nvPr/>
         </p:nvSpPr>
         <p:spPr>
           <a:xfrm>
-            <a:off x="4566656" y="3580783"/>
-            <a:ext cx="1199630" cy="480883"/>
+            <a:off x="3816666" y="3273306"/>
+            <a:ext cx="930822" cy="480883"/>
           </a:xfrm>
           <a:prstGeom prst="rect">
             <a:avLst/>
@@ -8718,10 +8131,593 @@
           </a:p>
         </p:txBody>
       </p:sp>
+      <p:sp>
+        <p:nvSpPr>
+          <p:cNvPr id="67" name="Rectangle 66"/>
+          <p:cNvSpPr/>
+          <p:nvPr/>
+        </p:nvSpPr>
+        <p:spPr>
+          <a:xfrm>
+            <a:off x="5757074" y="3273306"/>
+            <a:ext cx="930822" cy="480883"/>
+          </a:xfrm>
+          <a:prstGeom prst="rect">
+            <a:avLst/>
+          </a:prstGeom>
+          <a:solidFill>
+            <a:schemeClr val="accent6"/>
+          </a:solidFill>
+          <a:ln>
+            <a:solidFill>
+              <a:schemeClr val="tx1"/>
+            </a:solidFill>
+          </a:ln>
+        </p:spPr>
+        <p:style>
+          <a:lnRef idx="0">
+            <a:schemeClr val="accent6"/>
+          </a:lnRef>
+          <a:fillRef idx="3">
+            <a:schemeClr val="accent6"/>
+          </a:fillRef>
+          <a:effectRef idx="3">
+            <a:schemeClr val="accent6"/>
+          </a:effectRef>
+          <a:fontRef idx="minor">
+            <a:schemeClr val="lt1"/>
+          </a:fontRef>
+        </p:style>
+        <p:txBody>
+          <a:bodyPr rtlCol="0" anchor="ctr"/>
+          <a:lstStyle/>
+          <a:p>
+            <a:pPr algn="ctr"/>
+            <a:endParaRPr lang="en-US" dirty="0"/>
+          </a:p>
+        </p:txBody>
+      </p:sp>
+      <p:sp>
+        <p:nvSpPr>
+          <p:cNvPr id="73" name="Rectangle 72"/>
+          <p:cNvSpPr/>
+          <p:nvPr/>
+        </p:nvSpPr>
+        <p:spPr>
+          <a:xfrm>
+            <a:off x="4788731" y="3829071"/>
+            <a:ext cx="930822" cy="480883"/>
+          </a:xfrm>
+          <a:prstGeom prst="rect">
+            <a:avLst/>
+          </a:prstGeom>
+          <a:solidFill>
+            <a:schemeClr val="accent6"/>
+          </a:solidFill>
+          <a:ln>
+            <a:solidFill>
+              <a:schemeClr val="tx1"/>
+            </a:solidFill>
+          </a:ln>
+        </p:spPr>
+        <p:style>
+          <a:lnRef idx="0">
+            <a:schemeClr val="accent6"/>
+          </a:lnRef>
+          <a:fillRef idx="3">
+            <a:schemeClr val="accent6"/>
+          </a:fillRef>
+          <a:effectRef idx="3">
+            <a:schemeClr val="accent6"/>
+          </a:effectRef>
+          <a:fontRef idx="minor">
+            <a:schemeClr val="lt1"/>
+          </a:fontRef>
+        </p:style>
+        <p:txBody>
+          <a:bodyPr rtlCol="0" anchor="ctr"/>
+          <a:lstStyle/>
+          <a:p>
+            <a:pPr algn="ctr"/>
+            <a:endParaRPr lang="en-US" dirty="0"/>
+          </a:p>
+        </p:txBody>
+      </p:sp>
+      <p:sp>
+        <p:nvSpPr>
+          <p:cNvPr id="76" name="Rectangle 75"/>
+          <p:cNvSpPr/>
+          <p:nvPr/>
+        </p:nvSpPr>
+        <p:spPr>
+          <a:xfrm>
+            <a:off x="10759534" y="1604066"/>
+            <a:ext cx="930822" cy="480883"/>
+          </a:xfrm>
+          <a:prstGeom prst="rect">
+            <a:avLst/>
+          </a:prstGeom>
+          <a:solidFill>
+            <a:schemeClr val="accent6"/>
+          </a:solidFill>
+          <a:ln>
+            <a:solidFill>
+              <a:schemeClr val="tx1"/>
+            </a:solidFill>
+          </a:ln>
+        </p:spPr>
+        <p:style>
+          <a:lnRef idx="0">
+            <a:schemeClr val="accent6"/>
+          </a:lnRef>
+          <a:fillRef idx="3">
+            <a:schemeClr val="accent6"/>
+          </a:fillRef>
+          <a:effectRef idx="3">
+            <a:schemeClr val="accent6"/>
+          </a:effectRef>
+          <a:fontRef idx="minor">
+            <a:schemeClr val="lt1"/>
+          </a:fontRef>
+        </p:style>
+        <p:txBody>
+          <a:bodyPr rtlCol="0" anchor="ctr"/>
+          <a:lstStyle/>
+          <a:p>
+            <a:pPr algn="ctr"/>
+            <a:endParaRPr lang="en-US" dirty="0"/>
+          </a:p>
+        </p:txBody>
+      </p:sp>
+      <p:sp>
+        <p:nvSpPr>
+          <p:cNvPr id="77" name="Rectangle 76"/>
+          <p:cNvSpPr/>
+          <p:nvPr/>
+        </p:nvSpPr>
+        <p:spPr>
+          <a:xfrm>
+            <a:off x="8826782" y="1604066"/>
+            <a:ext cx="930822" cy="480883"/>
+          </a:xfrm>
+          <a:prstGeom prst="rect">
+            <a:avLst/>
+          </a:prstGeom>
+          <a:solidFill>
+            <a:schemeClr val="accent6"/>
+          </a:solidFill>
+          <a:ln>
+            <a:solidFill>
+              <a:schemeClr val="tx1"/>
+            </a:solidFill>
+          </a:ln>
+        </p:spPr>
+        <p:style>
+          <a:lnRef idx="0">
+            <a:schemeClr val="accent6"/>
+          </a:lnRef>
+          <a:fillRef idx="3">
+            <a:schemeClr val="accent6"/>
+          </a:fillRef>
+          <a:effectRef idx="3">
+            <a:schemeClr val="accent6"/>
+          </a:effectRef>
+          <a:fontRef idx="minor">
+            <a:schemeClr val="lt1"/>
+          </a:fontRef>
+        </p:style>
+        <p:txBody>
+          <a:bodyPr rtlCol="0" anchor="ctr"/>
+          <a:lstStyle/>
+          <a:p>
+            <a:pPr algn="ctr"/>
+            <a:endParaRPr lang="en-US" dirty="0"/>
+          </a:p>
+        </p:txBody>
+      </p:sp>
+      <p:sp>
+        <p:nvSpPr>
+          <p:cNvPr id="78" name="Rectangle 77"/>
+          <p:cNvSpPr/>
+          <p:nvPr/>
+        </p:nvSpPr>
+        <p:spPr>
+          <a:xfrm>
+            <a:off x="7854717" y="2166989"/>
+            <a:ext cx="930822" cy="480883"/>
+          </a:xfrm>
+          <a:prstGeom prst="rect">
+            <a:avLst/>
+          </a:prstGeom>
+          <a:solidFill>
+            <a:schemeClr val="accent6"/>
+          </a:solidFill>
+          <a:ln>
+            <a:solidFill>
+              <a:schemeClr val="tx1"/>
+            </a:solidFill>
+          </a:ln>
+        </p:spPr>
+        <p:style>
+          <a:lnRef idx="0">
+            <a:schemeClr val="accent6"/>
+          </a:lnRef>
+          <a:fillRef idx="3">
+            <a:schemeClr val="accent6"/>
+          </a:fillRef>
+          <a:effectRef idx="3">
+            <a:schemeClr val="accent6"/>
+          </a:effectRef>
+          <a:fontRef idx="minor">
+            <a:schemeClr val="lt1"/>
+          </a:fontRef>
+        </p:style>
+        <p:txBody>
+          <a:bodyPr rtlCol="0" anchor="ctr"/>
+          <a:lstStyle/>
+          <a:p>
+            <a:pPr algn="ctr"/>
+            <a:endParaRPr lang="en-US" dirty="0"/>
+          </a:p>
+        </p:txBody>
+      </p:sp>
+      <p:sp>
+        <p:nvSpPr>
+          <p:cNvPr id="81" name="Rectangle 80"/>
+          <p:cNvSpPr/>
+          <p:nvPr/>
+        </p:nvSpPr>
+        <p:spPr>
+          <a:xfrm>
+            <a:off x="8826782" y="2166989"/>
+            <a:ext cx="930822" cy="480883"/>
+          </a:xfrm>
+          <a:prstGeom prst="rect">
+            <a:avLst/>
+          </a:prstGeom>
+          <a:solidFill>
+            <a:schemeClr val="accent6"/>
+          </a:solidFill>
+          <a:ln>
+            <a:solidFill>
+              <a:schemeClr val="tx1"/>
+            </a:solidFill>
+          </a:ln>
+        </p:spPr>
+        <p:style>
+          <a:lnRef idx="0">
+            <a:schemeClr val="accent6"/>
+          </a:lnRef>
+          <a:fillRef idx="3">
+            <a:schemeClr val="accent6"/>
+          </a:fillRef>
+          <a:effectRef idx="3">
+            <a:schemeClr val="accent6"/>
+          </a:effectRef>
+          <a:fontRef idx="minor">
+            <a:schemeClr val="lt1"/>
+          </a:fontRef>
+        </p:style>
+        <p:txBody>
+          <a:bodyPr rtlCol="0" anchor="ctr"/>
+          <a:lstStyle/>
+          <a:p>
+            <a:pPr algn="ctr"/>
+            <a:endParaRPr lang="en-US" dirty="0"/>
+          </a:p>
+        </p:txBody>
+      </p:sp>
+      <p:sp>
+        <p:nvSpPr>
+          <p:cNvPr id="83" name="Rectangle 82"/>
+          <p:cNvSpPr/>
+          <p:nvPr/>
+        </p:nvSpPr>
+        <p:spPr>
+          <a:xfrm>
+            <a:off x="9795125" y="2720220"/>
+            <a:ext cx="930822" cy="480883"/>
+          </a:xfrm>
+          <a:prstGeom prst="rect">
+            <a:avLst/>
+          </a:prstGeom>
+          <a:solidFill>
+            <a:schemeClr val="accent6"/>
+          </a:solidFill>
+          <a:ln>
+            <a:solidFill>
+              <a:schemeClr val="tx1"/>
+            </a:solidFill>
+          </a:ln>
+        </p:spPr>
+        <p:style>
+          <a:lnRef idx="0">
+            <a:schemeClr val="accent6"/>
+          </a:lnRef>
+          <a:fillRef idx="3">
+            <a:schemeClr val="accent6"/>
+          </a:fillRef>
+          <a:effectRef idx="3">
+            <a:schemeClr val="accent6"/>
+          </a:effectRef>
+          <a:fontRef idx="minor">
+            <a:schemeClr val="lt1"/>
+          </a:fontRef>
+        </p:style>
+        <p:txBody>
+          <a:bodyPr rtlCol="0" anchor="ctr"/>
+          <a:lstStyle/>
+          <a:p>
+            <a:pPr algn="ctr"/>
+            <a:endParaRPr lang="en-US" dirty="0"/>
+          </a:p>
+        </p:txBody>
+      </p:sp>
+      <p:sp>
+        <p:nvSpPr>
+          <p:cNvPr id="88" name="Rectangle 87"/>
+          <p:cNvSpPr/>
+          <p:nvPr/>
+        </p:nvSpPr>
+        <p:spPr>
+          <a:xfrm>
+            <a:off x="10759534" y="3276650"/>
+            <a:ext cx="930822" cy="480883"/>
+          </a:xfrm>
+          <a:prstGeom prst="rect">
+            <a:avLst/>
+          </a:prstGeom>
+          <a:solidFill>
+            <a:schemeClr val="accent6"/>
+          </a:solidFill>
+          <a:ln>
+            <a:solidFill>
+              <a:schemeClr val="tx1"/>
+            </a:solidFill>
+          </a:ln>
+        </p:spPr>
+        <p:style>
+          <a:lnRef idx="0">
+            <a:schemeClr val="accent6"/>
+          </a:lnRef>
+          <a:fillRef idx="3">
+            <a:schemeClr val="accent6"/>
+          </a:fillRef>
+          <a:effectRef idx="3">
+            <a:schemeClr val="accent6"/>
+          </a:effectRef>
+          <a:fontRef idx="minor">
+            <a:schemeClr val="lt1"/>
+          </a:fontRef>
+        </p:style>
+        <p:txBody>
+          <a:bodyPr rtlCol="0" anchor="ctr"/>
+          <a:lstStyle/>
+          <a:p>
+            <a:pPr algn="ctr"/>
+            <a:endParaRPr lang="en-US" dirty="0"/>
+          </a:p>
+        </p:txBody>
+      </p:sp>
+      <p:sp>
+        <p:nvSpPr>
+          <p:cNvPr id="89" name="Rectangle 88"/>
+          <p:cNvSpPr/>
+          <p:nvPr/>
+        </p:nvSpPr>
+        <p:spPr>
+          <a:xfrm>
+            <a:off x="8826782" y="3276650"/>
+            <a:ext cx="930822" cy="480883"/>
+          </a:xfrm>
+          <a:prstGeom prst="rect">
+            <a:avLst/>
+          </a:prstGeom>
+          <a:solidFill>
+            <a:schemeClr val="accent6"/>
+          </a:solidFill>
+          <a:ln>
+            <a:solidFill>
+              <a:schemeClr val="tx1"/>
+            </a:solidFill>
+          </a:ln>
+        </p:spPr>
+        <p:style>
+          <a:lnRef idx="0">
+            <a:schemeClr val="accent6"/>
+          </a:lnRef>
+          <a:fillRef idx="3">
+            <a:schemeClr val="accent6"/>
+          </a:fillRef>
+          <a:effectRef idx="3">
+            <a:schemeClr val="accent6"/>
+          </a:effectRef>
+          <a:fontRef idx="minor">
+            <a:schemeClr val="lt1"/>
+          </a:fontRef>
+        </p:style>
+        <p:txBody>
+          <a:bodyPr rtlCol="0" anchor="ctr"/>
+          <a:lstStyle/>
+          <a:p>
+            <a:pPr algn="ctr"/>
+            <a:endParaRPr lang="en-US" dirty="0"/>
+          </a:p>
+        </p:txBody>
+      </p:sp>
+      <p:sp>
+        <p:nvSpPr>
+          <p:cNvPr id="90" name="Rectangle 89"/>
+          <p:cNvSpPr/>
+          <p:nvPr/>
+        </p:nvSpPr>
+        <p:spPr>
+          <a:xfrm>
+            <a:off x="7854717" y="3832415"/>
+            <a:ext cx="930822" cy="480883"/>
+          </a:xfrm>
+          <a:prstGeom prst="rect">
+            <a:avLst/>
+          </a:prstGeom>
+          <a:solidFill>
+            <a:schemeClr val="accent6"/>
+          </a:solidFill>
+          <a:ln>
+            <a:solidFill>
+              <a:schemeClr val="tx1"/>
+            </a:solidFill>
+          </a:ln>
+        </p:spPr>
+        <p:style>
+          <a:lnRef idx="0">
+            <a:schemeClr val="accent6"/>
+          </a:lnRef>
+          <a:fillRef idx="3">
+            <a:schemeClr val="accent6"/>
+          </a:fillRef>
+          <a:effectRef idx="3">
+            <a:schemeClr val="accent6"/>
+          </a:effectRef>
+          <a:fontRef idx="minor">
+            <a:schemeClr val="lt1"/>
+          </a:fontRef>
+        </p:style>
+        <p:txBody>
+          <a:bodyPr rtlCol="0" anchor="ctr"/>
+          <a:lstStyle/>
+          <a:p>
+            <a:pPr algn="ctr"/>
+            <a:endParaRPr lang="en-US" dirty="0"/>
+          </a:p>
+        </p:txBody>
+      </p:sp>
+      <p:sp>
+        <p:nvSpPr>
+          <p:cNvPr id="91" name="Rectangle 90"/>
+          <p:cNvSpPr/>
+          <p:nvPr/>
+        </p:nvSpPr>
+        <p:spPr>
+          <a:xfrm>
+            <a:off x="9795125" y="3832415"/>
+            <a:ext cx="930822" cy="480883"/>
+          </a:xfrm>
+          <a:prstGeom prst="rect">
+            <a:avLst/>
+          </a:prstGeom>
+          <a:solidFill>
+            <a:schemeClr val="accent6"/>
+          </a:solidFill>
+          <a:ln>
+            <a:solidFill>
+              <a:schemeClr val="tx1"/>
+            </a:solidFill>
+          </a:ln>
+        </p:spPr>
+        <p:style>
+          <a:lnRef idx="0">
+            <a:schemeClr val="accent6"/>
+          </a:lnRef>
+          <a:fillRef idx="3">
+            <a:schemeClr val="accent6"/>
+          </a:fillRef>
+          <a:effectRef idx="3">
+            <a:schemeClr val="accent6"/>
+          </a:effectRef>
+          <a:fontRef idx="minor">
+            <a:schemeClr val="lt1"/>
+          </a:fontRef>
+        </p:style>
+        <p:txBody>
+          <a:bodyPr rtlCol="0" anchor="ctr"/>
+          <a:lstStyle/>
+          <a:p>
+            <a:pPr algn="ctr"/>
+            <a:endParaRPr lang="en-US" dirty="0"/>
+          </a:p>
+        </p:txBody>
+      </p:sp>
+      <p:sp>
+        <p:nvSpPr>
+          <p:cNvPr id="96" name="Left Brace 95"/>
+          <p:cNvSpPr/>
+          <p:nvPr/>
+        </p:nvSpPr>
+        <p:spPr>
+          <a:xfrm rot="5400000">
+            <a:off x="5613925" y="-789837"/>
+            <a:ext cx="190024" cy="4104663"/>
+          </a:xfrm>
+          <a:prstGeom prst="leftBrace">
+            <a:avLst>
+              <a:gd name="adj1" fmla="val 8333"/>
+              <a:gd name="adj2" fmla="val 50742"/>
+            </a:avLst>
+          </a:prstGeom>
+          <a:ln w="22225"/>
+        </p:spPr>
+        <p:style>
+          <a:lnRef idx="3">
+            <a:schemeClr val="dk1"/>
+          </a:lnRef>
+          <a:fillRef idx="0">
+            <a:schemeClr val="dk1"/>
+          </a:fillRef>
+          <a:effectRef idx="2">
+            <a:schemeClr val="dk1"/>
+          </a:effectRef>
+          <a:fontRef idx="minor">
+            <a:schemeClr val="tx1"/>
+          </a:fontRef>
+        </p:style>
+        <p:txBody>
+          <a:bodyPr rtlCol="0" anchor="ctr"/>
+          <a:lstStyle/>
+          <a:p>
+            <a:pPr algn="ctr"/>
+            <a:endParaRPr lang="en-US" dirty="0"/>
+          </a:p>
+        </p:txBody>
+      </p:sp>
+      <p:sp>
+        <p:nvSpPr>
+          <p:cNvPr id="97" name="TextBox 96"/>
+          <p:cNvSpPr txBox="1"/>
+          <p:nvPr/>
+        </p:nvSpPr>
+        <p:spPr>
+          <a:xfrm>
+            <a:off x="4485582" y="930750"/>
+            <a:ext cx="2341154" cy="276999"/>
+          </a:xfrm>
+          <a:prstGeom prst="rect">
+            <a:avLst/>
+          </a:prstGeom>
+          <a:noFill/>
+        </p:spPr>
+        <p:txBody>
+          <a:bodyPr wrap="none" rtlCol="0">
+            <a:spAutoFit/>
+          </a:bodyPr>
+          <a:lstStyle/>
+          <a:p>
+            <a:pPr algn="ctr"/>
+            <a:r>
+              <a:rPr lang="en-US" sz="1200" dirty="0"/>
+              <a:t>c</a:t>
+            </a:r>
+            <a:r>
+              <a:rPr lang="en-US" sz="1200" dirty="0" smtClean="0"/>
+              <a:t>lipping region for horizontal scroll</a:t>
+            </a:r>
+            <a:endParaRPr lang="en-US" sz="1200" dirty="0"/>
+          </a:p>
+        </p:txBody>
+      </p:sp>
     </p:spTree>
     <p:extLst>
       <p:ext uri="{BB962C8B-B14F-4D97-AF65-F5344CB8AC3E}">
-        <p14:creationId xmlns:p14="http://schemas.microsoft.com/office/powerpoint/2010/main" val="419084021"/>
+        <p14:creationId xmlns:p14="http://schemas.microsoft.com/office/powerpoint/2010/main" val="651226346"/>
       </p:ext>
     </p:extLst>
   </p:cSld>
